--- a/Presentation.pptx
+++ b/Presentation.pptx
@@ -12,8 +12,9 @@
     <p:sldId id="260" r:id="rId6"/>
     <p:sldId id="261" r:id="rId7"/>
     <p:sldId id="262" r:id="rId8"/>
-    <p:sldId id="263" r:id="rId9"/>
-    <p:sldId id="264" r:id="rId10"/>
+    <p:sldId id="265" r:id="rId9"/>
+    <p:sldId id="263" r:id="rId10"/>
+    <p:sldId id="264" r:id="rId11"/>
   </p:sldIdLst>
   <p:sldSz cx="12192000" cy="6858000"/>
   <p:notesSz cx="6858000" cy="9144000"/>
@@ -112,6 +113,11 @@
       </a:defRPr>
     </a:lvl9pPr>
   </p:defaultTextStyle>
+  <p:extLst>
+    <p:ext uri="{EFAFB233-063F-42B5-8137-9DF3F51BA10A}">
+      <p15:sldGuideLst xmlns:p15="http://schemas.microsoft.com/office/powerpoint/2012/main"/>
+    </p:ext>
+  </p:extLst>
 </p:presentation>
 </file>
 
@@ -4028,7 +4034,7 @@
 </p:sld>
 </file>
 
-<file path=ppt/slides/slide2.xml><?xml version="1.0" encoding="utf-8"?>
+<file path=ppt/slides/slide10.xml><?xml version="1.0" encoding="utf-8"?>
 <p:sld xmlns:a="http://schemas.openxmlformats.org/drawingml/2006/main" xmlns:r="http://schemas.openxmlformats.org/officeDocument/2006/relationships" xmlns:p="http://schemas.openxmlformats.org/presentationml/2006/main">
   <p:cSld>
     <p:bg>
@@ -4055,7 +4061,7 @@
       </p:grpSpPr>
       <p:sp useBgFill="1">
         <p:nvSpPr>
-          <p:cNvPr id="11" name="Rectangle 10">
+          <p:cNvPr id="9" name="Rectangle 8">
             <a:extLst>
               <a:ext uri="{FF2B5EF4-FFF2-40B4-BE49-F238E27FC236}">
                 <a16:creationId xmlns:a16="http://schemas.microsoft.com/office/drawing/2014/main" id="{100EDD19-6802-4EC3-95CE-CFFAB042CFD6}"/>
@@ -4118,7 +4124,7 @@
           <p:cNvPr id="2" name="Title 1">
             <a:extLst>
               <a:ext uri="{FF2B5EF4-FFF2-40B4-BE49-F238E27FC236}">
-                <a16:creationId xmlns:a16="http://schemas.microsoft.com/office/drawing/2014/main" id="{A8100E09-F1BD-04F4-EDEB-A5911099D8D8}"/>
+                <a16:creationId xmlns:a16="http://schemas.microsoft.com/office/drawing/2014/main" id="{A9570DED-2170-3621-5460-3FE63E64C613}"/>
               </a:ext>
             </a:extLst>
           </p:cNvPr>
@@ -4142,22 +4148,18 @@
           <a:lstStyle/>
           <a:p>
             <a:r>
-              <a:rPr lang="en-US" sz="5400">
+              <a:rPr lang="en-IN" sz="5400">
                 <a:latin typeface="Times New Roman" panose="02020603050405020304" pitchFamily="18" charset="0"/>
                 <a:cs typeface="Times New Roman" panose="02020603050405020304" pitchFamily="18" charset="0"/>
               </a:rPr>
-              <a:t>Project Overview</a:t>
-            </a:r>
-            <a:endParaRPr lang="en-IN" sz="5400">
-              <a:latin typeface="Times New Roman" panose="02020603050405020304" pitchFamily="18" charset="0"/>
-              <a:cs typeface="Times New Roman" panose="02020603050405020304" pitchFamily="18" charset="0"/>
-            </a:endParaRPr>
+              <a:t>Conclusion</a:t>
+            </a:r>
           </a:p>
         </p:txBody>
       </p:sp>
       <p:sp>
         <p:nvSpPr>
-          <p:cNvPr id="13" name="sketch line">
+          <p:cNvPr id="11" name="sketch line">
             <a:extLst>
               <a:ext uri="{FF2B5EF4-FFF2-40B4-BE49-F238E27FC236}">
                 <a16:creationId xmlns:a16="http://schemas.microsoft.com/office/drawing/2014/main" id="{DB17E863-922E-4C26-BD64-E8FD41D28661}"/>
@@ -4795,112 +4797,238 @@
       </p:sp>
       <p:sp>
         <p:nvSpPr>
-          <p:cNvPr id="6" name="Content Placeholder 5">
+          <p:cNvPr id="4" name="Rectangle 1">
             <a:extLst>
               <a:ext uri="{FF2B5EF4-FFF2-40B4-BE49-F238E27FC236}">
-                <a16:creationId xmlns:a16="http://schemas.microsoft.com/office/drawing/2014/main" id="{7D6BF40F-1D95-DA35-138C-213BF63ACE01}"/>
+                <a16:creationId xmlns:a16="http://schemas.microsoft.com/office/drawing/2014/main" id="{26775ED7-7F1F-DEB9-CFE7-E9EC4D751233}"/>
               </a:ext>
             </a:extLst>
           </p:cNvPr>
           <p:cNvSpPr>
-            <a:spLocks noGrp="1"/>
+            <a:spLocks noGrp="1" noChangeArrowheads="1"/>
           </p:cNvSpPr>
           <p:nvPr>
             <p:ph idx="1"/>
           </p:nvPr>
         </p:nvSpPr>
-        <p:spPr>
+        <p:spPr bwMode="auto">
           <a:xfrm>
             <a:off x="838200" y="1929384"/>
             <a:ext cx="10515600" cy="4251960"/>
           </a:xfrm>
+          <a:prstGeom prst="rect">
+            <a:avLst/>
+          </a:prstGeom>
+          <a:extLst>
+            <a:ext uri="{909E8E84-426E-40DD-AFC4-6F175D3DCCD1}">
+              <a14:hiddenFill xmlns:a14="http://schemas.microsoft.com/office/drawing/2010/main">
+                <a:solidFill>
+                  <a:schemeClr val="accent1"/>
+                </a:solidFill>
+              </a14:hiddenFill>
+            </a:ext>
+            <a:ext uri="{91240B29-F687-4F45-9708-019B960494DF}">
+              <a14:hiddenLine xmlns:a14="http://schemas.microsoft.com/office/drawing/2010/main" w="9525">
+                <a:solidFill>
+                  <a:schemeClr val="tx1"/>
+                </a:solidFill>
+                <a:miter lim="800000"/>
+                <a:headEnd/>
+                <a:tailEnd/>
+              </a14:hiddenLine>
+            </a:ext>
+            <a:ext uri="{AF507438-7753-43E0-B8FC-AC1667EBCBE1}">
+              <a14:hiddenEffects xmlns:a14="http://schemas.microsoft.com/office/drawing/2010/main">
+                <a:effectLst>
+                  <a:outerShdw dist="35921" dir="2700000" algn="ctr" rotWithShape="0">
+                    <a:schemeClr val="bg2"/>
+                  </a:outerShdw>
+                </a:effectLst>
+              </a14:hiddenEffects>
+            </a:ext>
+          </a:extLst>
         </p:spPr>
         <p:txBody>
-          <a:bodyPr>
+          <a:bodyPr vert="horz" lIns="91440" tIns="45720" rIns="91440" bIns="45720" numCol="1" anchorCtr="0" compatLnSpc="1">
+            <a:prstTxWarp prst="textNoShape">
+              <a:avLst/>
+            </a:prstTxWarp>
             <a:normAutofit/>
           </a:bodyPr>
           <a:lstStyle/>
           <a:p>
-            <a:pPr marL="0" indent="0">
+            <a:pPr marL="0" marR="0" lvl="0" indent="0" defTabSz="914400" rtl="0" eaLnBrk="0" fontAlgn="base" latinLnBrk="0" hangingPunct="0">
+              <a:spcBef>
+                <a:spcPct val="0"/>
+              </a:spcBef>
+              <a:spcAft>
+                <a:spcPts val="600"/>
+              </a:spcAft>
+              <a:buClrTx/>
+              <a:buSzTx/>
               <a:buNone/>
+              <a:tabLst/>
             </a:pPr>
             <a:r>
-              <a:rPr lang="en-US" sz="2200">
+              <a:rPr lang="en-US" altLang="en-US" sz="2200">
                 <a:latin typeface="Times New Roman" panose="02020603050405020304" pitchFamily="18" charset="0"/>
                 <a:cs typeface="Times New Roman" panose="02020603050405020304" pitchFamily="18" charset="0"/>
               </a:rPr>
-              <a:t>Objective:</a:t>
-            </a:r>
-          </a:p>
-          <a:p>
-            <a:pPr marL="0" indent="0">
-              <a:buNone/>
+              <a:t>Summary of Findings:</a:t>
+            </a:r>
+          </a:p>
+          <a:p>
+            <a:pPr eaLnBrk="0" fontAlgn="base" hangingPunct="0">
+              <a:spcBef>
+                <a:spcPct val="0"/>
+              </a:spcBef>
+              <a:spcAft>
+                <a:spcPts val="600"/>
+              </a:spcAft>
             </a:pPr>
             <a:r>
-              <a:rPr lang="en-US" sz="2200">
+              <a:rPr lang="en-US" altLang="en-US" sz="2200">
                 <a:latin typeface="Times New Roman" panose="02020603050405020304" pitchFamily="18" charset="0"/>
                 <a:cs typeface="Times New Roman" panose="02020603050405020304" pitchFamily="18" charset="0"/>
               </a:rPr>
-              <a:t>Analyze government procurement data to uncover insights, trends, and patterns using Power BI for visualization.</a:t>
-            </a:r>
-          </a:p>
-          <a:p>
-            <a:pPr marL="0" indent="0">
+              <a:t>Identified key procurement trends and supplier performance insights.</a:t>
+            </a:r>
+          </a:p>
+          <a:p>
+            <a:pPr eaLnBrk="0" fontAlgn="base" hangingPunct="0">
+              <a:spcBef>
+                <a:spcPct val="0"/>
+              </a:spcBef>
+              <a:spcAft>
+                <a:spcPts val="600"/>
+              </a:spcAft>
+            </a:pPr>
+            <a:r>
+              <a:rPr lang="en-US" altLang="en-US" sz="2200">
+                <a:latin typeface="Times New Roman" panose="02020603050405020304" pitchFamily="18" charset="0"/>
+                <a:cs typeface="Times New Roman" panose="02020603050405020304" pitchFamily="18" charset="0"/>
+              </a:rPr>
+              <a:t>The dashboard provides an efficient way for stakeholders to analyze and </a:t>
+            </a:r>
+          </a:p>
+          <a:p>
+            <a:pPr eaLnBrk="0" fontAlgn="base" hangingPunct="0">
+              <a:spcBef>
+                <a:spcPct val="0"/>
+              </a:spcBef>
+              <a:spcAft>
+                <a:spcPts val="600"/>
+              </a:spcAft>
+            </a:pPr>
+            <a:r>
+              <a:rPr lang="en-US" altLang="en-US" sz="2200">
+                <a:latin typeface="Times New Roman" panose="02020603050405020304" pitchFamily="18" charset="0"/>
+                <a:cs typeface="Times New Roman" panose="02020603050405020304" pitchFamily="18" charset="0"/>
+              </a:rPr>
+              <a:t>optimize procurement strategies.</a:t>
+            </a:r>
+          </a:p>
+          <a:p>
+            <a:pPr marL="0" marR="0" lvl="0" indent="0" defTabSz="914400" rtl="0" eaLnBrk="0" fontAlgn="base" latinLnBrk="0" hangingPunct="0">
+              <a:spcBef>
+                <a:spcPct val="0"/>
+              </a:spcBef>
+              <a:spcAft>
+                <a:spcPts val="600"/>
+              </a:spcAft>
+              <a:buClrTx/>
+              <a:buSzTx/>
               <a:buNone/>
+              <a:tabLst/>
             </a:pPr>
-            <a:endParaRPr lang="en-US" sz="2200">
+            <a:endParaRPr lang="en-US" altLang="en-US" sz="2200">
               <a:latin typeface="Times New Roman" panose="02020603050405020304" pitchFamily="18" charset="0"/>
               <a:cs typeface="Times New Roman" panose="02020603050405020304" pitchFamily="18" charset="0"/>
             </a:endParaRPr>
           </a:p>
           <a:p>
-            <a:pPr marL="0" indent="0">
+            <a:pPr marL="0" marR="0" lvl="0" indent="0" defTabSz="914400" rtl="0" eaLnBrk="0" fontAlgn="base" latinLnBrk="0" hangingPunct="0">
+              <a:spcBef>
+                <a:spcPct val="0"/>
+              </a:spcBef>
+              <a:spcAft>
+                <a:spcPts val="600"/>
+              </a:spcAft>
+              <a:buClrTx/>
+              <a:buSzTx/>
               <a:buNone/>
+              <a:tabLst/>
             </a:pPr>
             <a:r>
-              <a:rPr lang="en-US" sz="2200">
+              <a:rPr lang="en-US" altLang="en-US" sz="2200">
                 <a:latin typeface="Times New Roman" panose="02020603050405020304" pitchFamily="18" charset="0"/>
                 <a:cs typeface="Times New Roman" panose="02020603050405020304" pitchFamily="18" charset="0"/>
               </a:rPr>
-              <a:t>Key Tasks:</a:t>
-            </a:r>
-          </a:p>
-          <a:p>
-            <a:pPr marL="0" indent="0">
-              <a:buNone/>
+              <a:t>Next Steps:</a:t>
+            </a:r>
+          </a:p>
+          <a:p>
+            <a:pPr eaLnBrk="0" fontAlgn="base" hangingPunct="0">
+              <a:spcBef>
+                <a:spcPct val="0"/>
+              </a:spcBef>
+              <a:spcAft>
+                <a:spcPts val="600"/>
+              </a:spcAft>
             </a:pPr>
             <a:r>
-              <a:rPr lang="en-US" sz="2200">
+              <a:rPr lang="en-US" altLang="en-US" sz="2200">
                 <a:latin typeface="Times New Roman" panose="02020603050405020304" pitchFamily="18" charset="0"/>
                 <a:cs typeface="Times New Roman" panose="02020603050405020304" pitchFamily="18" charset="0"/>
               </a:rPr>
-              <a:t>    Data Cleaning</a:t>
-            </a:r>
-          </a:p>
-          <a:p>
-            <a:pPr marL="0" indent="0">
-              <a:buNone/>
+              <a:t>Possible process improvements based on insights gained.</a:t>
+            </a:r>
+          </a:p>
+          <a:p>
+            <a:pPr eaLnBrk="0" fontAlgn="base" hangingPunct="0">
+              <a:spcBef>
+                <a:spcPct val="0"/>
+              </a:spcBef>
+              <a:spcAft>
+                <a:spcPts val="600"/>
+              </a:spcAft>
             </a:pPr>
             <a:r>
-              <a:rPr lang="en-US" sz="2200">
+              <a:rPr lang="en-US" altLang="en-US" sz="2200">
                 <a:latin typeface="Times New Roman" panose="02020603050405020304" pitchFamily="18" charset="0"/>
                 <a:cs typeface="Times New Roman" panose="02020603050405020304" pitchFamily="18" charset="0"/>
               </a:rPr>
-              <a:t>    Data Analysis</a:t>
-            </a:r>
-          </a:p>
-          <a:p>
-            <a:pPr marL="0" indent="0">
-              <a:buNone/>
+              <a:t>Further exploration of international procurement data or integration with </a:t>
+            </a:r>
+          </a:p>
+          <a:p>
+            <a:pPr eaLnBrk="0" fontAlgn="base" hangingPunct="0">
+              <a:spcBef>
+                <a:spcPct val="0"/>
+              </a:spcBef>
+              <a:spcAft>
+                <a:spcPts val="600"/>
+              </a:spcAft>
             </a:pPr>
             <a:r>
-              <a:rPr lang="en-US" sz="2200">
+              <a:rPr lang="en-US" altLang="en-US" sz="2200">
                 <a:latin typeface="Times New Roman" panose="02020603050405020304" pitchFamily="18" charset="0"/>
                 <a:cs typeface="Times New Roman" panose="02020603050405020304" pitchFamily="18" charset="0"/>
               </a:rPr>
-              <a:t>    Dashboard Creation using Power BI</a:t>
-            </a:r>
-            <a:endParaRPr lang="en-IN" sz="2200">
+              <a:t>other datasets for enhanced analysis.</a:t>
+            </a:r>
+          </a:p>
+          <a:p>
+            <a:pPr marL="0" indent="0" eaLnBrk="0" fontAlgn="base" hangingPunct="0">
+              <a:spcBef>
+                <a:spcPct val="0"/>
+              </a:spcBef>
+              <a:spcAft>
+                <a:spcPts val="600"/>
+              </a:spcAft>
+              <a:buNone/>
+            </a:pPr>
+            <a:endParaRPr lang="en-US" altLang="en-US" sz="2200">
               <a:latin typeface="Times New Roman" panose="02020603050405020304" pitchFamily="18" charset="0"/>
               <a:cs typeface="Times New Roman" panose="02020603050405020304" pitchFamily="18" charset="0"/>
             </a:endParaRPr>
@@ -4910,7 +5038,7 @@
     </p:spTree>
     <p:extLst>
       <p:ext uri="{BB962C8B-B14F-4D97-AF65-F5344CB8AC3E}">
-        <p14:creationId xmlns:p14="http://schemas.microsoft.com/office/powerpoint/2010/main" val="535947143"/>
+        <p14:creationId xmlns:p14="http://schemas.microsoft.com/office/powerpoint/2010/main" val="1425548500"/>
       </p:ext>
     </p:extLst>
   </p:cSld>
@@ -4920,7 +5048,7 @@
 </p:sld>
 </file>
 
-<file path=ppt/slides/slide3.xml><?xml version="1.0" encoding="utf-8"?>
+<file path=ppt/slides/slide2.xml><?xml version="1.0" encoding="utf-8"?>
 <p:sld xmlns:a="http://schemas.openxmlformats.org/drawingml/2006/main" xmlns:r="http://schemas.openxmlformats.org/officeDocument/2006/relationships" xmlns:p="http://schemas.openxmlformats.org/presentationml/2006/main">
   <p:cSld>
     <p:bg>
@@ -4947,7 +5075,7 @@
       </p:grpSpPr>
       <p:sp useBgFill="1">
         <p:nvSpPr>
-          <p:cNvPr id="8" name="Rectangle 7">
+          <p:cNvPr id="11" name="Rectangle 10">
             <a:extLst>
               <a:ext uri="{FF2B5EF4-FFF2-40B4-BE49-F238E27FC236}">
                 <a16:creationId xmlns:a16="http://schemas.microsoft.com/office/drawing/2014/main" id="{100EDD19-6802-4EC3-95CE-CFFAB042CFD6}"/>
@@ -5010,7 +5138,7 @@
           <p:cNvPr id="2" name="Title 1">
             <a:extLst>
               <a:ext uri="{FF2B5EF4-FFF2-40B4-BE49-F238E27FC236}">
-                <a16:creationId xmlns:a16="http://schemas.microsoft.com/office/drawing/2014/main" id="{3E826264-E438-0515-AFBD-9E84CFA392EE}"/>
+                <a16:creationId xmlns:a16="http://schemas.microsoft.com/office/drawing/2014/main" id="{A8100E09-F1BD-04F4-EDEB-A5911099D8D8}"/>
               </a:ext>
             </a:extLst>
           </p:cNvPr>
@@ -5038,7 +5166,7 @@
                 <a:latin typeface="Times New Roman" panose="02020603050405020304" pitchFamily="18" charset="0"/>
                 <a:cs typeface="Times New Roman" panose="02020603050405020304" pitchFamily="18" charset="0"/>
               </a:rPr>
-              <a:t>Dataset Overview</a:t>
+              <a:t>Project Overview</a:t>
             </a:r>
             <a:endParaRPr lang="en-IN" sz="5400">
               <a:latin typeface="Times New Roman" panose="02020603050405020304" pitchFamily="18" charset="0"/>
@@ -5049,7 +5177,7 @@
       </p:sp>
       <p:sp>
         <p:nvSpPr>
-          <p:cNvPr id="10" name="sketch line">
+          <p:cNvPr id="13" name="sketch line">
             <a:extLst>
               <a:ext uri="{FF2B5EF4-FFF2-40B4-BE49-F238E27FC236}">
                 <a16:creationId xmlns:a16="http://schemas.microsoft.com/office/drawing/2014/main" id="{DB17E863-922E-4C26-BD64-E8FD41D28661}"/>
@@ -5687,10 +5815,10 @@
       </p:sp>
       <p:sp>
         <p:nvSpPr>
-          <p:cNvPr id="3" name="Content Placeholder 2">
+          <p:cNvPr id="6" name="Content Placeholder 5">
             <a:extLst>
               <a:ext uri="{FF2B5EF4-FFF2-40B4-BE49-F238E27FC236}">
-                <a16:creationId xmlns:a16="http://schemas.microsoft.com/office/drawing/2014/main" id="{29283B65-10C1-092C-5977-8CFFF6176002}"/>
+                <a16:creationId xmlns:a16="http://schemas.microsoft.com/office/drawing/2014/main" id="{7D6BF40F-1D95-DA35-138C-213BF63ACE01}"/>
               </a:ext>
             </a:extLst>
           </p:cNvPr>
@@ -5721,7 +5849,7 @@
                 <a:latin typeface="Times New Roman" panose="02020603050405020304" pitchFamily="18" charset="0"/>
                 <a:cs typeface="Times New Roman" panose="02020603050405020304" pitchFamily="18" charset="0"/>
               </a:rPr>
-              <a:t>Source: Kaggle - Government Procurement Dataset</a:t>
+              <a:t>Objective:</a:t>
             </a:r>
           </a:p>
           <a:p>
@@ -5733,31 +5861,7 @@
                 <a:latin typeface="Times New Roman" panose="02020603050405020304" pitchFamily="18" charset="0"/>
                 <a:cs typeface="Times New Roman" panose="02020603050405020304" pitchFamily="18" charset="0"/>
               </a:rPr>
-              <a:t>Content:</a:t>
-            </a:r>
-          </a:p>
-          <a:p>
-            <a:pPr marL="0" indent="0">
-              <a:buNone/>
-            </a:pPr>
-            <a:r>
-              <a:rPr lang="en-US" sz="2200">
-                <a:latin typeface="Times New Roman" panose="02020603050405020304" pitchFamily="18" charset="0"/>
-                <a:cs typeface="Times New Roman" panose="02020603050405020304" pitchFamily="18" charset="0"/>
-              </a:rPr>
-              <a:t>Government contracts, suppliers, and procurement outcomes.</a:t>
-            </a:r>
-          </a:p>
-          <a:p>
-            <a:pPr marL="0" indent="0">
-              <a:buNone/>
-            </a:pPr>
-            <a:r>
-              <a:rPr lang="en-US" sz="2200">
-                <a:latin typeface="Times New Roman" panose="02020603050405020304" pitchFamily="18" charset="0"/>
-                <a:cs typeface="Times New Roman" panose="02020603050405020304" pitchFamily="18" charset="0"/>
-              </a:rPr>
-              <a:t>Includes details like contract value, supplier information, contract duration, and performance metrics.</a:t>
+              <a:t>Analyze government procurement data to uncover insights, trends, and patterns using Power BI for visualization.</a:t>
             </a:r>
           </a:p>
           <a:p>
@@ -5778,17 +5882,8 @@
                 <a:latin typeface="Times New Roman" panose="02020603050405020304" pitchFamily="18" charset="0"/>
                 <a:cs typeface="Times New Roman" panose="02020603050405020304" pitchFamily="18" charset="0"/>
               </a:rPr>
-              <a:t>Size and Scope:</a:t>
-            </a:r>
-          </a:p>
-          <a:p>
-            <a:pPr marL="0" indent="0">
-              <a:buNone/>
-            </a:pPr>
-            <a:endParaRPr lang="en-US" sz="2200">
-              <a:latin typeface="Times New Roman" panose="02020603050405020304" pitchFamily="18" charset="0"/>
-              <a:cs typeface="Times New Roman" panose="02020603050405020304" pitchFamily="18" charset="0"/>
-            </a:endParaRPr>
+              <a:t>Key Tasks:</a:t>
+            </a:r>
           </a:p>
           <a:p>
             <a:pPr marL="0" indent="0">
@@ -5799,7 +5894,7 @@
                 <a:latin typeface="Times New Roman" panose="02020603050405020304" pitchFamily="18" charset="0"/>
                 <a:cs typeface="Times New Roman" panose="02020603050405020304" pitchFamily="18" charset="0"/>
               </a:rPr>
-              <a:t>    Number of records (e.g., 100,000+ rows).</a:t>
+              <a:t>    Data Cleaning</a:t>
             </a:r>
           </a:p>
           <a:p>
@@ -5811,7 +5906,19 @@
                 <a:latin typeface="Times New Roman" panose="02020603050405020304" pitchFamily="18" charset="0"/>
                 <a:cs typeface="Times New Roman" panose="02020603050405020304" pitchFamily="18" charset="0"/>
               </a:rPr>
-              <a:t>    Key features such as contract type, supplier details, payment terms, etc.</a:t>
+              <a:t>    Data Analysis</a:t>
+            </a:r>
+          </a:p>
+          <a:p>
+            <a:pPr marL="0" indent="0">
+              <a:buNone/>
+            </a:pPr>
+            <a:r>
+              <a:rPr lang="en-US" sz="2200">
+                <a:latin typeface="Times New Roman" panose="02020603050405020304" pitchFamily="18" charset="0"/>
+                <a:cs typeface="Times New Roman" panose="02020603050405020304" pitchFamily="18" charset="0"/>
+              </a:rPr>
+              <a:t>    Dashboard Creation using Power BI</a:t>
             </a:r>
             <a:endParaRPr lang="en-IN" sz="2200">
               <a:latin typeface="Times New Roman" panose="02020603050405020304" pitchFamily="18" charset="0"/>
@@ -5823,7 +5930,7 @@
     </p:spTree>
     <p:extLst>
       <p:ext uri="{BB962C8B-B14F-4D97-AF65-F5344CB8AC3E}">
-        <p14:creationId xmlns:p14="http://schemas.microsoft.com/office/powerpoint/2010/main" val="110709029"/>
+        <p14:creationId xmlns:p14="http://schemas.microsoft.com/office/powerpoint/2010/main" val="535947143"/>
       </p:ext>
     </p:extLst>
   </p:cSld>
@@ -5833,7 +5940,7 @@
 </p:sld>
 </file>
 
-<file path=ppt/slides/slide4.xml><?xml version="1.0" encoding="utf-8"?>
+<file path=ppt/slides/slide3.xml><?xml version="1.0" encoding="utf-8"?>
 <p:sld xmlns:a="http://schemas.openxmlformats.org/drawingml/2006/main" xmlns:r="http://schemas.openxmlformats.org/officeDocument/2006/relationships" xmlns:p="http://schemas.openxmlformats.org/presentationml/2006/main">
   <p:cSld>
     <p:bg>
@@ -5860,7 +5967,7 @@
       </p:grpSpPr>
       <p:sp useBgFill="1">
         <p:nvSpPr>
-          <p:cNvPr id="9" name="Rectangle 8">
+          <p:cNvPr id="8" name="Rectangle 7">
             <a:extLst>
               <a:ext uri="{FF2B5EF4-FFF2-40B4-BE49-F238E27FC236}">
                 <a16:creationId xmlns:a16="http://schemas.microsoft.com/office/drawing/2014/main" id="{100EDD19-6802-4EC3-95CE-CFFAB042CFD6}"/>
@@ -5923,7 +6030,7 @@
           <p:cNvPr id="2" name="Title 1">
             <a:extLst>
               <a:ext uri="{FF2B5EF4-FFF2-40B4-BE49-F238E27FC236}">
-                <a16:creationId xmlns:a16="http://schemas.microsoft.com/office/drawing/2014/main" id="{2FCC8AA0-DE95-6320-3801-B49C8510DE2A}"/>
+                <a16:creationId xmlns:a16="http://schemas.microsoft.com/office/drawing/2014/main" id="{3E826264-E438-0515-AFBD-9E84CFA392EE}"/>
               </a:ext>
             </a:extLst>
           </p:cNvPr>
@@ -5947,18 +6054,22 @@
           <a:lstStyle/>
           <a:p>
             <a:r>
-              <a:rPr lang="en-IN" sz="5400">
+              <a:rPr lang="en-US" sz="5400">
                 <a:latin typeface="Times New Roman" panose="02020603050405020304" pitchFamily="18" charset="0"/>
                 <a:cs typeface="Times New Roman" panose="02020603050405020304" pitchFamily="18" charset="0"/>
               </a:rPr>
-              <a:t>Data Cleaning Process</a:t>
-            </a:r>
+              <a:t>Dataset Overview</a:t>
+            </a:r>
+            <a:endParaRPr lang="en-IN" sz="5400">
+              <a:latin typeface="Times New Roman" panose="02020603050405020304" pitchFamily="18" charset="0"/>
+              <a:cs typeface="Times New Roman" panose="02020603050405020304" pitchFamily="18" charset="0"/>
+            </a:endParaRPr>
           </a:p>
         </p:txBody>
       </p:sp>
       <p:sp>
         <p:nvSpPr>
-          <p:cNvPr id="11" name="sketch line">
+          <p:cNvPr id="10" name="sketch line">
             <a:extLst>
               <a:ext uri="{FF2B5EF4-FFF2-40B4-BE49-F238E27FC236}">
                 <a16:creationId xmlns:a16="http://schemas.microsoft.com/office/drawing/2014/main" id="{DB17E863-922E-4C26-BD64-E8FD41D28661}"/>
@@ -6596,245 +6707,133 @@
       </p:sp>
       <p:sp>
         <p:nvSpPr>
-          <p:cNvPr id="4" name="Rectangle 1">
+          <p:cNvPr id="3" name="Content Placeholder 2">
             <a:extLst>
               <a:ext uri="{FF2B5EF4-FFF2-40B4-BE49-F238E27FC236}">
-                <a16:creationId xmlns:a16="http://schemas.microsoft.com/office/drawing/2014/main" id="{1346374B-97F2-A490-6CBB-6011E9BB3596}"/>
+                <a16:creationId xmlns:a16="http://schemas.microsoft.com/office/drawing/2014/main" id="{29283B65-10C1-092C-5977-8CFFF6176002}"/>
               </a:ext>
             </a:extLst>
           </p:cNvPr>
           <p:cNvSpPr>
-            <a:spLocks noGrp="1" noChangeArrowheads="1"/>
+            <a:spLocks noGrp="1"/>
           </p:cNvSpPr>
           <p:nvPr>
             <p:ph idx="1"/>
           </p:nvPr>
         </p:nvSpPr>
-        <p:spPr bwMode="auto">
+        <p:spPr>
           <a:xfrm>
             <a:off x="838200" y="1929384"/>
             <a:ext cx="10515600" cy="4251960"/>
           </a:xfrm>
-          <a:prstGeom prst="rect">
-            <a:avLst/>
-          </a:prstGeom>
-          <a:extLst>
-            <a:ext uri="{909E8E84-426E-40DD-AFC4-6F175D3DCCD1}">
-              <a14:hiddenFill xmlns:a14="http://schemas.microsoft.com/office/drawing/2010/main">
-                <a:solidFill>
-                  <a:schemeClr val="accent1"/>
-                </a:solidFill>
-              </a14:hiddenFill>
-            </a:ext>
-            <a:ext uri="{91240B29-F687-4F45-9708-019B960494DF}">
-              <a14:hiddenLine xmlns:a14="http://schemas.microsoft.com/office/drawing/2010/main" w="9525">
-                <a:solidFill>
-                  <a:schemeClr val="tx1"/>
-                </a:solidFill>
-                <a:miter lim="800000"/>
-                <a:headEnd/>
-                <a:tailEnd/>
-              </a14:hiddenLine>
-            </a:ext>
-            <a:ext uri="{AF507438-7753-43E0-B8FC-AC1667EBCBE1}">
-              <a14:hiddenEffects xmlns:a14="http://schemas.microsoft.com/office/drawing/2010/main">
-                <a:effectLst>
-                  <a:outerShdw dist="35921" dir="2700000" algn="ctr" rotWithShape="0">
-                    <a:schemeClr val="bg2"/>
-                  </a:outerShdw>
-                </a:effectLst>
-              </a14:hiddenEffects>
-            </a:ext>
-          </a:extLst>
         </p:spPr>
         <p:txBody>
-          <a:bodyPr vert="horz" lIns="91440" tIns="45720" rIns="91440" bIns="45720" numCol="1" anchorCtr="0" compatLnSpc="1">
-            <a:prstTxWarp prst="textNoShape">
-              <a:avLst/>
-            </a:prstTxWarp>
+          <a:bodyPr>
             <a:normAutofit/>
           </a:bodyPr>
           <a:lstStyle/>
           <a:p>
-            <a:pPr marL="0" marR="0" lvl="0" indent="0" defTabSz="914400" rtl="0" eaLnBrk="0" fontAlgn="base" latinLnBrk="0" hangingPunct="0">
-              <a:spcBef>
-                <a:spcPct val="0"/>
-              </a:spcBef>
-              <a:spcAft>
-                <a:spcPts val="600"/>
-              </a:spcAft>
-              <a:buClrTx/>
-              <a:buSzTx/>
+            <a:pPr marL="0" indent="0">
               <a:buNone/>
-              <a:tabLst/>
             </a:pPr>
             <a:r>
-              <a:rPr lang="en-US" altLang="en-US" sz="2200">
+              <a:rPr lang="en-US" sz="2200">
                 <a:latin typeface="Times New Roman" panose="02020603050405020304" pitchFamily="18" charset="0"/>
                 <a:cs typeface="Times New Roman" panose="02020603050405020304" pitchFamily="18" charset="0"/>
               </a:rPr>
-              <a:t>Challenges Faced:</a:t>
-            </a:r>
-          </a:p>
-          <a:p>
-            <a:pPr eaLnBrk="0" fontAlgn="base" hangingPunct="0">
-              <a:spcBef>
-                <a:spcPct val="0"/>
-              </a:spcBef>
-              <a:spcAft>
-                <a:spcPts val="600"/>
-              </a:spcAft>
+              <a:t>Source: Kaggle - Government Procurement Dataset</a:t>
+            </a:r>
+          </a:p>
+          <a:p>
+            <a:pPr marL="0" indent="0">
+              <a:buNone/>
             </a:pPr>
             <a:r>
-              <a:rPr lang="en-US" altLang="en-US" sz="2200">
+              <a:rPr lang="en-US" sz="2200">
                 <a:latin typeface="Times New Roman" panose="02020603050405020304" pitchFamily="18" charset="0"/>
                 <a:cs typeface="Times New Roman" panose="02020603050405020304" pitchFamily="18" charset="0"/>
               </a:rPr>
-              <a:t>Missing values</a:t>
-            </a:r>
-          </a:p>
-          <a:p>
-            <a:pPr eaLnBrk="0" fontAlgn="base" hangingPunct="0">
-              <a:spcBef>
-                <a:spcPct val="0"/>
-              </a:spcBef>
-              <a:spcAft>
-                <a:spcPts val="600"/>
-              </a:spcAft>
+              <a:t>Content:</a:t>
+            </a:r>
+          </a:p>
+          <a:p>
+            <a:pPr marL="0" indent="0">
+              <a:buNone/>
             </a:pPr>
             <a:r>
-              <a:rPr lang="en-US" altLang="en-US" sz="2200">
+              <a:rPr lang="en-US" sz="2200">
                 <a:latin typeface="Times New Roman" panose="02020603050405020304" pitchFamily="18" charset="0"/>
                 <a:cs typeface="Times New Roman" panose="02020603050405020304" pitchFamily="18" charset="0"/>
               </a:rPr>
-              <a:t>Inconsistent formats (dates, numeric values, etc.)</a:t>
-            </a:r>
-          </a:p>
-          <a:p>
-            <a:pPr eaLnBrk="0" fontAlgn="base" hangingPunct="0">
-              <a:spcBef>
-                <a:spcPct val="0"/>
-              </a:spcBef>
-              <a:spcAft>
-                <a:spcPts val="600"/>
-              </a:spcAft>
+              <a:t>Government contracts, suppliers, and procurement outcomes.</a:t>
+            </a:r>
+          </a:p>
+          <a:p>
+            <a:pPr marL="0" indent="0">
+              <a:buNone/>
             </a:pPr>
             <a:r>
-              <a:rPr lang="en-US" altLang="en-US" sz="2200">
+              <a:rPr lang="en-US" sz="2200">
                 <a:latin typeface="Times New Roman" panose="02020603050405020304" pitchFamily="18" charset="0"/>
                 <a:cs typeface="Times New Roman" panose="02020603050405020304" pitchFamily="18" charset="0"/>
               </a:rPr>
-              <a:t>Outliers and duplicates</a:t>
-            </a:r>
-          </a:p>
-          <a:p>
-            <a:pPr marL="0" marR="0" lvl="0" indent="0" defTabSz="914400" rtl="0" eaLnBrk="0" fontAlgn="base" latinLnBrk="0" hangingPunct="0">
-              <a:spcBef>
-                <a:spcPct val="0"/>
-              </a:spcBef>
-              <a:spcAft>
-                <a:spcPts val="600"/>
-              </a:spcAft>
-              <a:buClrTx/>
-              <a:buSzTx/>
+              <a:t>Includes details like contract value, supplier information, contract duration, and performance metrics.</a:t>
+            </a:r>
+          </a:p>
+          <a:p>
+            <a:pPr marL="0" indent="0">
               <a:buNone/>
-              <a:tabLst/>
             </a:pPr>
-            <a:r>
-              <a:rPr lang="en-US" altLang="en-US" sz="2200">
+            <a:endParaRPr lang="en-US" sz="2200">
+              <a:latin typeface="Times New Roman" panose="02020603050405020304" pitchFamily="18" charset="0"/>
+              <a:cs typeface="Times New Roman" panose="02020603050405020304" pitchFamily="18" charset="0"/>
+            </a:endParaRPr>
+          </a:p>
+          <a:p>
+            <a:pPr marL="0" indent="0">
+              <a:buNone/>
+            </a:pPr>
+            <a:r>
+              <a:rPr lang="en-US" sz="2200">
                 <a:latin typeface="Times New Roman" panose="02020603050405020304" pitchFamily="18" charset="0"/>
                 <a:cs typeface="Times New Roman" panose="02020603050405020304" pitchFamily="18" charset="0"/>
               </a:rPr>
-              <a:t>Steps Taken:</a:t>
-            </a:r>
-          </a:p>
-          <a:p>
-            <a:pPr eaLnBrk="0" fontAlgn="base" hangingPunct="0">
-              <a:spcBef>
-                <a:spcPct val="0"/>
-              </a:spcBef>
-              <a:spcAft>
-                <a:spcPts val="600"/>
-              </a:spcAft>
+              <a:t>Size and Scope:</a:t>
+            </a:r>
+          </a:p>
+          <a:p>
+            <a:pPr marL="0" indent="0">
+              <a:buNone/>
             </a:pPr>
-            <a:r>
-              <a:rPr lang="en-US" altLang="en-US" sz="2200">
+            <a:endParaRPr lang="en-US" sz="2200">
+              <a:latin typeface="Times New Roman" panose="02020603050405020304" pitchFamily="18" charset="0"/>
+              <a:cs typeface="Times New Roman" panose="02020603050405020304" pitchFamily="18" charset="0"/>
+            </a:endParaRPr>
+          </a:p>
+          <a:p>
+            <a:pPr marL="0" indent="0">
+              <a:buNone/>
+            </a:pPr>
+            <a:r>
+              <a:rPr lang="en-US" sz="2200">
                 <a:latin typeface="Times New Roman" panose="02020603050405020304" pitchFamily="18" charset="0"/>
                 <a:cs typeface="Times New Roman" panose="02020603050405020304" pitchFamily="18" charset="0"/>
               </a:rPr>
-              <a:t>Removed/filled missing values</a:t>
-            </a:r>
-          </a:p>
-          <a:p>
-            <a:pPr eaLnBrk="0" fontAlgn="base" hangingPunct="0">
-              <a:spcBef>
-                <a:spcPct val="0"/>
-              </a:spcBef>
-              <a:spcAft>
-                <a:spcPts val="600"/>
-              </a:spcAft>
+              <a:t>    Number of records (e.g., 100,000+ rows).</a:t>
+            </a:r>
+          </a:p>
+          <a:p>
+            <a:pPr marL="0" indent="0">
+              <a:buNone/>
             </a:pPr>
             <a:r>
-              <a:rPr lang="en-US" altLang="en-US" sz="2200">
+              <a:rPr lang="en-US" sz="2200">
                 <a:latin typeface="Times New Roman" panose="02020603050405020304" pitchFamily="18" charset="0"/>
                 <a:cs typeface="Times New Roman" panose="02020603050405020304" pitchFamily="18" charset="0"/>
               </a:rPr>
-              <a:t>Standardized formats for dates, currency, and numerical values</a:t>
-            </a:r>
-          </a:p>
-          <a:p>
-            <a:pPr eaLnBrk="0" fontAlgn="base" hangingPunct="0">
-              <a:spcBef>
-                <a:spcPct val="0"/>
-              </a:spcBef>
-              <a:spcAft>
-                <a:spcPts val="600"/>
-              </a:spcAft>
-            </a:pPr>
-            <a:r>
-              <a:rPr lang="en-US" altLang="en-US" sz="2200">
-                <a:latin typeface="Times New Roman" panose="02020603050405020304" pitchFamily="18" charset="0"/>
-                <a:cs typeface="Times New Roman" panose="02020603050405020304" pitchFamily="18" charset="0"/>
-              </a:rPr>
-              <a:t>Identified and handled outliers</a:t>
-            </a:r>
-          </a:p>
-          <a:p>
-            <a:pPr eaLnBrk="0" fontAlgn="base" hangingPunct="0">
-              <a:spcBef>
-                <a:spcPct val="0"/>
-              </a:spcBef>
-              <a:spcAft>
-                <a:spcPts val="600"/>
-              </a:spcAft>
-            </a:pPr>
-            <a:r>
-              <a:rPr lang="en-US" altLang="en-US" sz="2200">
-                <a:latin typeface="Times New Roman" panose="02020603050405020304" pitchFamily="18" charset="0"/>
-                <a:cs typeface="Times New Roman" panose="02020603050405020304" pitchFamily="18" charset="0"/>
-              </a:rPr>
-              <a:t>Checked for duplicate records and eliminated them</a:t>
-            </a:r>
-          </a:p>
-          <a:p>
-            <a:pPr marL="0" marR="0" lvl="0" indent="0" defTabSz="914400" rtl="0" eaLnBrk="0" fontAlgn="base" latinLnBrk="0" hangingPunct="0">
-              <a:spcBef>
-                <a:spcPct val="0"/>
-              </a:spcBef>
-              <a:spcAft>
-                <a:spcPts val="600"/>
-              </a:spcAft>
-              <a:buClrTx/>
-              <a:buSzTx/>
-              <a:buFontTx/>
-              <a:buNone/>
-              <a:tabLst/>
-            </a:pPr>
-            <a:endParaRPr kumimoji="0" lang="en-US" altLang="en-US" sz="2200" b="0" i="0" u="none" strike="noStrike" cap="none" normalizeH="0" baseline="0">
-              <a:ln>
-                <a:noFill/>
-              </a:ln>
-              <a:effectLst/>
+              <a:t>    Key features such as contract type, supplier details, payment terms, etc.</a:t>
+            </a:r>
+            <a:endParaRPr lang="en-IN" sz="2200">
               <a:latin typeface="Times New Roman" panose="02020603050405020304" pitchFamily="18" charset="0"/>
               <a:cs typeface="Times New Roman" panose="02020603050405020304" pitchFamily="18" charset="0"/>
             </a:endParaRPr>
@@ -6844,7 +6843,7 @@
     </p:spTree>
     <p:extLst>
       <p:ext uri="{BB962C8B-B14F-4D97-AF65-F5344CB8AC3E}">
-        <p14:creationId xmlns:p14="http://schemas.microsoft.com/office/powerpoint/2010/main" val="2169330061"/>
+        <p14:creationId xmlns:p14="http://schemas.microsoft.com/office/powerpoint/2010/main" val="110709029"/>
       </p:ext>
     </p:extLst>
   </p:cSld>
@@ -6854,7 +6853,7 @@
 </p:sld>
 </file>
 
-<file path=ppt/slides/slide5.xml><?xml version="1.0" encoding="utf-8"?>
+<file path=ppt/slides/slide4.xml><?xml version="1.0" encoding="utf-8"?>
 <p:sld xmlns:a="http://schemas.openxmlformats.org/drawingml/2006/main" xmlns:r="http://schemas.openxmlformats.org/officeDocument/2006/relationships" xmlns:p="http://schemas.openxmlformats.org/presentationml/2006/main">
   <p:cSld>
     <p:bg>
@@ -6944,7 +6943,7 @@
           <p:cNvPr id="2" name="Title 1">
             <a:extLst>
               <a:ext uri="{FF2B5EF4-FFF2-40B4-BE49-F238E27FC236}">
-                <a16:creationId xmlns:a16="http://schemas.microsoft.com/office/drawing/2014/main" id="{CADFEF47-C183-2D19-94B8-ADBF7F971DFE}"/>
+                <a16:creationId xmlns:a16="http://schemas.microsoft.com/office/drawing/2014/main" id="{2FCC8AA0-DE95-6320-3801-B49C8510DE2A}"/>
               </a:ext>
             </a:extLst>
           </p:cNvPr>
@@ -6968,16 +6967,12 @@
           <a:lstStyle/>
           <a:p>
             <a:r>
-              <a:rPr lang="en-US" sz="5400">
+              <a:rPr lang="en-IN" sz="5400">
                 <a:latin typeface="Times New Roman" panose="02020603050405020304" pitchFamily="18" charset="0"/>
                 <a:cs typeface="Times New Roman" panose="02020603050405020304" pitchFamily="18" charset="0"/>
               </a:rPr>
-              <a:t>Data Analysis and Key Insights</a:t>
-            </a:r>
-            <a:endParaRPr lang="en-IN" sz="5400">
-              <a:latin typeface="Times New Roman" panose="02020603050405020304" pitchFamily="18" charset="0"/>
-              <a:cs typeface="Times New Roman" panose="02020603050405020304" pitchFamily="18" charset="0"/>
-            </a:endParaRPr>
+              <a:t>Data Cleaning Process</a:t>
+            </a:r>
           </a:p>
         </p:txBody>
       </p:sp>
@@ -7624,7 +7619,7 @@
           <p:cNvPr id="4" name="Rectangle 1">
             <a:extLst>
               <a:ext uri="{FF2B5EF4-FFF2-40B4-BE49-F238E27FC236}">
-                <a16:creationId xmlns:a16="http://schemas.microsoft.com/office/drawing/2014/main" id="{8151B0C3-B2E5-0C9D-261F-8E9FC043129F}"/>
+                <a16:creationId xmlns:a16="http://schemas.microsoft.com/office/drawing/2014/main" id="{1346374B-97F2-A490-6CBB-6011E9BB3596}"/>
               </a:ext>
             </a:extLst>
           </p:cNvPr>
@@ -7698,7 +7693,7 @@
                 <a:latin typeface="Times New Roman" panose="02020603050405020304" pitchFamily="18" charset="0"/>
                 <a:cs typeface="Times New Roman" panose="02020603050405020304" pitchFamily="18" charset="0"/>
               </a:rPr>
-              <a:t>Procurement Trends:</a:t>
+              <a:t>Challenges Faced:</a:t>
             </a:r>
           </a:p>
           <a:p>
@@ -7715,7 +7710,7 @@
                 <a:latin typeface="Times New Roman" panose="02020603050405020304" pitchFamily="18" charset="0"/>
                 <a:cs typeface="Times New Roman" panose="02020603050405020304" pitchFamily="18" charset="0"/>
               </a:rPr>
-              <a:t>Identify trends in procurement spending across years</a:t>
+              <a:t>Missing values</a:t>
             </a:r>
           </a:p>
           <a:p>
@@ -7732,7 +7727,24 @@
                 <a:latin typeface="Times New Roman" panose="02020603050405020304" pitchFamily="18" charset="0"/>
                 <a:cs typeface="Times New Roman" panose="02020603050405020304" pitchFamily="18" charset="0"/>
               </a:rPr>
-              <a:t>Average contract size, contract duration, and payment terms</a:t>
+              <a:t>Inconsistent formats (dates, numeric values, etc.)</a:t>
+            </a:r>
+          </a:p>
+          <a:p>
+            <a:pPr eaLnBrk="0" fontAlgn="base" hangingPunct="0">
+              <a:spcBef>
+                <a:spcPct val="0"/>
+              </a:spcBef>
+              <a:spcAft>
+                <a:spcPts val="600"/>
+              </a:spcAft>
+            </a:pPr>
+            <a:r>
+              <a:rPr lang="en-US" altLang="en-US" sz="2200">
+                <a:latin typeface="Times New Roman" panose="02020603050405020304" pitchFamily="18" charset="0"/>
+                <a:cs typeface="Times New Roman" panose="02020603050405020304" pitchFamily="18" charset="0"/>
+              </a:rPr>
+              <a:t>Outliers and duplicates</a:t>
             </a:r>
           </a:p>
           <a:p>
@@ -7753,7 +7765,7 @@
                 <a:latin typeface="Times New Roman" panose="02020603050405020304" pitchFamily="18" charset="0"/>
                 <a:cs typeface="Times New Roman" panose="02020603050405020304" pitchFamily="18" charset="0"/>
               </a:rPr>
-              <a:t>Supplier Analysis:</a:t>
+              <a:t>Steps Taken:</a:t>
             </a:r>
           </a:p>
           <a:p>
@@ -7770,7 +7782,7 @@
                 <a:latin typeface="Times New Roman" panose="02020603050405020304" pitchFamily="18" charset="0"/>
                 <a:cs typeface="Times New Roman" panose="02020603050405020304" pitchFamily="18" charset="0"/>
               </a:rPr>
-              <a:t>Most frequent suppliers</a:t>
+              <a:t>Removed/filled missing values</a:t>
             </a:r>
           </a:p>
           <a:p>
@@ -7787,28 +7799,7 @@
                 <a:latin typeface="Times New Roman" panose="02020603050405020304" pitchFamily="18" charset="0"/>
                 <a:cs typeface="Times New Roman" panose="02020603050405020304" pitchFamily="18" charset="0"/>
               </a:rPr>
-              <a:t>Performance metrics (e.g., on-time delivery)</a:t>
-            </a:r>
-          </a:p>
-          <a:p>
-            <a:pPr marL="0" marR="0" lvl="0" indent="0" defTabSz="914400" rtl="0" eaLnBrk="0" fontAlgn="base" latinLnBrk="0" hangingPunct="0">
-              <a:spcBef>
-                <a:spcPct val="0"/>
-              </a:spcBef>
-              <a:spcAft>
-                <a:spcPts val="600"/>
-              </a:spcAft>
-              <a:buClrTx/>
-              <a:buSzTx/>
-              <a:buNone/>
-              <a:tabLst/>
-            </a:pPr>
-            <a:r>
-              <a:rPr lang="en-US" altLang="en-US" sz="2200">
-                <a:latin typeface="Times New Roman" panose="02020603050405020304" pitchFamily="18" charset="0"/>
-                <a:cs typeface="Times New Roman" panose="02020603050405020304" pitchFamily="18" charset="0"/>
-              </a:rPr>
-              <a:t>Budget Utilization:</a:t>
+              <a:t>Standardized formats for dates, currency, and numerical values</a:t>
             </a:r>
           </a:p>
           <a:p>
@@ -7825,7 +7816,7 @@
                 <a:latin typeface="Times New Roman" panose="02020603050405020304" pitchFamily="18" charset="0"/>
                 <a:cs typeface="Times New Roman" panose="02020603050405020304" pitchFamily="18" charset="0"/>
               </a:rPr>
-              <a:t>How government budgets are allocated and spent</a:t>
+              <a:t>Identified and handled outliers</a:t>
             </a:r>
           </a:p>
           <a:p>
@@ -7842,7 +7833,7 @@
                 <a:latin typeface="Times New Roman" panose="02020603050405020304" pitchFamily="18" charset="0"/>
                 <a:cs typeface="Times New Roman" panose="02020603050405020304" pitchFamily="18" charset="0"/>
               </a:rPr>
-              <a:t>Variations in procurement by region or department</a:t>
+              <a:t>Checked for duplicate records and eliminated them</a:t>
             </a:r>
           </a:p>
           <a:p>
@@ -7873,7 +7864,7 @@
     </p:spTree>
     <p:extLst>
       <p:ext uri="{BB962C8B-B14F-4D97-AF65-F5344CB8AC3E}">
-        <p14:creationId xmlns:p14="http://schemas.microsoft.com/office/powerpoint/2010/main" val="3985674382"/>
+        <p14:creationId xmlns:p14="http://schemas.microsoft.com/office/powerpoint/2010/main" val="2169330061"/>
       </p:ext>
     </p:extLst>
   </p:cSld>
@@ -7883,7 +7874,7 @@
 </p:sld>
 </file>
 
-<file path=ppt/slides/slide6.xml><?xml version="1.0" encoding="utf-8"?>
+<file path=ppt/slides/slide5.xml><?xml version="1.0" encoding="utf-8"?>
 <p:sld xmlns:a="http://schemas.openxmlformats.org/drawingml/2006/main" xmlns:r="http://schemas.openxmlformats.org/officeDocument/2006/relationships" xmlns:p="http://schemas.openxmlformats.org/presentationml/2006/main">
   <p:cSld>
     <p:bg>
@@ -7910,7 +7901,7 @@
       </p:grpSpPr>
       <p:sp useBgFill="1">
         <p:nvSpPr>
-          <p:cNvPr id="8" name="Rectangle 7">
+          <p:cNvPr id="9" name="Rectangle 8">
             <a:extLst>
               <a:ext uri="{FF2B5EF4-FFF2-40B4-BE49-F238E27FC236}">
                 <a16:creationId xmlns:a16="http://schemas.microsoft.com/office/drawing/2014/main" id="{100EDD19-6802-4EC3-95CE-CFFAB042CFD6}"/>
@@ -7973,7 +7964,7 @@
           <p:cNvPr id="2" name="Title 1">
             <a:extLst>
               <a:ext uri="{FF2B5EF4-FFF2-40B4-BE49-F238E27FC236}">
-                <a16:creationId xmlns:a16="http://schemas.microsoft.com/office/drawing/2014/main" id="{E09BDADA-5FBD-D50F-5521-7EFC69191F74}"/>
+                <a16:creationId xmlns:a16="http://schemas.microsoft.com/office/drawing/2014/main" id="{CADFEF47-C183-2D19-94B8-ADBF7F971DFE}"/>
               </a:ext>
             </a:extLst>
           </p:cNvPr>
@@ -7997,18 +7988,22 @@
           <a:lstStyle/>
           <a:p>
             <a:r>
-              <a:rPr lang="en-IN" sz="5400">
+              <a:rPr lang="en-US" sz="5400">
                 <a:latin typeface="Times New Roman" panose="02020603050405020304" pitchFamily="18" charset="0"/>
                 <a:cs typeface="Times New Roman" panose="02020603050405020304" pitchFamily="18" charset="0"/>
               </a:rPr>
-              <a:t>Power BI Dashboard Overview</a:t>
-            </a:r>
+              <a:t>Data Analysis and Key Insights</a:t>
+            </a:r>
+            <a:endParaRPr lang="en-IN" sz="5400">
+              <a:latin typeface="Times New Roman" panose="02020603050405020304" pitchFamily="18" charset="0"/>
+              <a:cs typeface="Times New Roman" panose="02020603050405020304" pitchFamily="18" charset="0"/>
+            </a:endParaRPr>
           </a:p>
         </p:txBody>
       </p:sp>
       <p:sp>
         <p:nvSpPr>
-          <p:cNvPr id="10" name="sketch line">
+          <p:cNvPr id="11" name="sketch line">
             <a:extLst>
               <a:ext uri="{FF2B5EF4-FFF2-40B4-BE49-F238E27FC236}">
                 <a16:creationId xmlns:a16="http://schemas.microsoft.com/office/drawing/2014/main" id="{DB17E863-922E-4C26-BD64-E8FD41D28661}"/>
@@ -8646,109 +8641,249 @@
       </p:sp>
       <p:sp>
         <p:nvSpPr>
-          <p:cNvPr id="3" name="Content Placeholder 2">
+          <p:cNvPr id="4" name="Rectangle 1">
             <a:extLst>
               <a:ext uri="{FF2B5EF4-FFF2-40B4-BE49-F238E27FC236}">
-                <a16:creationId xmlns:a16="http://schemas.microsoft.com/office/drawing/2014/main" id="{212E717F-FD2D-E1BB-79CE-E305396B4979}"/>
+                <a16:creationId xmlns:a16="http://schemas.microsoft.com/office/drawing/2014/main" id="{8151B0C3-B2E5-0C9D-261F-8E9FC043129F}"/>
               </a:ext>
             </a:extLst>
           </p:cNvPr>
           <p:cNvSpPr>
-            <a:spLocks noGrp="1"/>
+            <a:spLocks noGrp="1" noChangeArrowheads="1"/>
           </p:cNvSpPr>
           <p:nvPr>
             <p:ph idx="1"/>
           </p:nvPr>
         </p:nvSpPr>
-        <p:spPr>
+        <p:spPr bwMode="auto">
           <a:xfrm>
             <a:off x="838200" y="1929384"/>
             <a:ext cx="10515600" cy="4251960"/>
           </a:xfrm>
+          <a:prstGeom prst="rect">
+            <a:avLst/>
+          </a:prstGeom>
+          <a:extLst>
+            <a:ext uri="{909E8E84-426E-40DD-AFC4-6F175D3DCCD1}">
+              <a14:hiddenFill xmlns:a14="http://schemas.microsoft.com/office/drawing/2010/main">
+                <a:solidFill>
+                  <a:schemeClr val="accent1"/>
+                </a:solidFill>
+              </a14:hiddenFill>
+            </a:ext>
+            <a:ext uri="{91240B29-F687-4F45-9708-019B960494DF}">
+              <a14:hiddenLine xmlns:a14="http://schemas.microsoft.com/office/drawing/2010/main" w="9525">
+                <a:solidFill>
+                  <a:schemeClr val="tx1"/>
+                </a:solidFill>
+                <a:miter lim="800000"/>
+                <a:headEnd/>
+                <a:tailEnd/>
+              </a14:hiddenLine>
+            </a:ext>
+            <a:ext uri="{AF507438-7753-43E0-B8FC-AC1667EBCBE1}">
+              <a14:hiddenEffects xmlns:a14="http://schemas.microsoft.com/office/drawing/2010/main">
+                <a:effectLst>
+                  <a:outerShdw dist="35921" dir="2700000" algn="ctr" rotWithShape="0">
+                    <a:schemeClr val="bg2"/>
+                  </a:outerShdw>
+                </a:effectLst>
+              </a14:hiddenEffects>
+            </a:ext>
+          </a:extLst>
         </p:spPr>
         <p:txBody>
-          <a:bodyPr>
+          <a:bodyPr vert="horz" lIns="91440" tIns="45720" rIns="91440" bIns="45720" numCol="1" anchorCtr="0" compatLnSpc="1">
+            <a:prstTxWarp prst="textNoShape">
+              <a:avLst/>
+            </a:prstTxWarp>
             <a:normAutofit/>
           </a:bodyPr>
           <a:lstStyle/>
           <a:p>
-            <a:pPr marL="0" indent="0">
+            <a:pPr marL="0" marR="0" lvl="0" indent="0" defTabSz="914400" rtl="0" eaLnBrk="0" fontAlgn="base" latinLnBrk="0" hangingPunct="0">
+              <a:spcBef>
+                <a:spcPct val="0"/>
+              </a:spcBef>
+              <a:spcAft>
+                <a:spcPts val="600"/>
+              </a:spcAft>
+              <a:buClrTx/>
+              <a:buSzTx/>
               <a:buNone/>
+              <a:tabLst/>
             </a:pPr>
             <a:r>
-              <a:rPr lang="en-US" sz="2200">
+              <a:rPr lang="en-US" altLang="en-US" sz="2200">
                 <a:latin typeface="Times New Roman" panose="02020603050405020304" pitchFamily="18" charset="0"/>
                 <a:cs typeface="Times New Roman" panose="02020603050405020304" pitchFamily="18" charset="0"/>
               </a:rPr>
-              <a:t>Features:</a:t>
-            </a:r>
-          </a:p>
-          <a:p>
-            <a:r>
-              <a:rPr lang="en-US" sz="2200">
+              <a:t>Procurement Trends:</a:t>
+            </a:r>
+          </a:p>
+          <a:p>
+            <a:pPr eaLnBrk="0" fontAlgn="base" hangingPunct="0">
+              <a:spcBef>
+                <a:spcPct val="0"/>
+              </a:spcBef>
+              <a:spcAft>
+                <a:spcPts val="600"/>
+              </a:spcAft>
+            </a:pPr>
+            <a:r>
+              <a:rPr lang="en-US" altLang="en-US" sz="2200">
                 <a:latin typeface="Times New Roman" panose="02020603050405020304" pitchFamily="18" charset="0"/>
                 <a:cs typeface="Times New Roman" panose="02020603050405020304" pitchFamily="18" charset="0"/>
               </a:rPr>
-              <a:t>    Dynamic filters for contract types, suppliers, time periods, etc.</a:t>
-            </a:r>
-          </a:p>
-          <a:p>
-            <a:r>
-              <a:rPr lang="en-US" sz="2200">
+              <a:t>Identify trends in procurement spending across years</a:t>
+            </a:r>
+          </a:p>
+          <a:p>
+            <a:pPr eaLnBrk="0" fontAlgn="base" hangingPunct="0">
+              <a:spcBef>
+                <a:spcPct val="0"/>
+              </a:spcBef>
+              <a:spcAft>
+                <a:spcPts val="600"/>
+              </a:spcAft>
+            </a:pPr>
+            <a:r>
+              <a:rPr lang="en-US" altLang="en-US" sz="2200">
                 <a:latin typeface="Times New Roman" panose="02020603050405020304" pitchFamily="18" charset="0"/>
                 <a:cs typeface="Times New Roman" panose="02020603050405020304" pitchFamily="18" charset="0"/>
               </a:rPr>
-              <a:t>    Visualizations like bar charts, pie charts, trend lines, and KPIs</a:t>
-            </a:r>
-          </a:p>
-          <a:p>
-            <a:r>
-              <a:rPr lang="en-US" sz="2200">
+              <a:t>Average contract size, contract duration, and payment terms</a:t>
+            </a:r>
+          </a:p>
+          <a:p>
+            <a:pPr marL="0" marR="0" lvl="0" indent="0" defTabSz="914400" rtl="0" eaLnBrk="0" fontAlgn="base" latinLnBrk="0" hangingPunct="0">
+              <a:spcBef>
+                <a:spcPct val="0"/>
+              </a:spcBef>
+              <a:spcAft>
+                <a:spcPts val="600"/>
+              </a:spcAft>
+              <a:buClrTx/>
+              <a:buSzTx/>
+              <a:buNone/>
+              <a:tabLst/>
+            </a:pPr>
+            <a:r>
+              <a:rPr lang="en-US" altLang="en-US" sz="2200">
                 <a:latin typeface="Times New Roman" panose="02020603050405020304" pitchFamily="18" charset="0"/>
                 <a:cs typeface="Times New Roman" panose="02020603050405020304" pitchFamily="18" charset="0"/>
               </a:rPr>
-              <a:t>    Interactive data exploration for stakeholders</a:t>
-            </a:r>
-          </a:p>
-          <a:p>
-            <a:pPr marL="0" indent="0">
-              <a:buNone/>
+              <a:t>Supplier Analysis:</a:t>
+            </a:r>
+          </a:p>
+          <a:p>
+            <a:pPr eaLnBrk="0" fontAlgn="base" hangingPunct="0">
+              <a:spcBef>
+                <a:spcPct val="0"/>
+              </a:spcBef>
+              <a:spcAft>
+                <a:spcPts val="600"/>
+              </a:spcAft>
             </a:pPr>
-            <a:endParaRPr lang="en-US" sz="2200">
-              <a:latin typeface="Times New Roman" panose="02020603050405020304" pitchFamily="18" charset="0"/>
-              <a:cs typeface="Times New Roman" panose="02020603050405020304" pitchFamily="18" charset="0"/>
-            </a:endParaRPr>
-          </a:p>
-          <a:p>
-            <a:pPr marL="0" indent="0">
-              <a:buNone/>
-            </a:pPr>
-            <a:r>
-              <a:rPr lang="en-US" sz="2200">
+            <a:r>
+              <a:rPr lang="en-US" altLang="en-US" sz="2200">
                 <a:latin typeface="Times New Roman" panose="02020603050405020304" pitchFamily="18" charset="0"/>
                 <a:cs typeface="Times New Roman" panose="02020603050405020304" pitchFamily="18" charset="0"/>
               </a:rPr>
-              <a:t>Purpose:</a:t>
-            </a:r>
-          </a:p>
-          <a:p>
-            <a:r>
-              <a:rPr lang="en-US" sz="2200">
+              <a:t>Most frequent suppliers</a:t>
+            </a:r>
+          </a:p>
+          <a:p>
+            <a:pPr eaLnBrk="0" fontAlgn="base" hangingPunct="0">
+              <a:spcBef>
+                <a:spcPct val="0"/>
+              </a:spcBef>
+              <a:spcAft>
+                <a:spcPts val="600"/>
+              </a:spcAft>
+            </a:pPr>
+            <a:r>
+              <a:rPr lang="en-US" altLang="en-US" sz="2200">
                 <a:latin typeface="Times New Roman" panose="02020603050405020304" pitchFamily="18" charset="0"/>
                 <a:cs typeface="Times New Roman" panose="02020603050405020304" pitchFamily="18" charset="0"/>
               </a:rPr>
-              <a:t>    Allow decision-makers to explore procurement data in real-time</a:t>
-            </a:r>
-          </a:p>
-          <a:p>
-            <a:r>
-              <a:rPr lang="en-US" sz="2200">
+              <a:t>Performance metrics (e.g., on-time delivery)</a:t>
+            </a:r>
+          </a:p>
+          <a:p>
+            <a:pPr marL="0" marR="0" lvl="0" indent="0" defTabSz="914400" rtl="0" eaLnBrk="0" fontAlgn="base" latinLnBrk="0" hangingPunct="0">
+              <a:spcBef>
+                <a:spcPct val="0"/>
+              </a:spcBef>
+              <a:spcAft>
+                <a:spcPts val="600"/>
+              </a:spcAft>
+              <a:buClrTx/>
+              <a:buSzTx/>
+              <a:buNone/>
+              <a:tabLst/>
+            </a:pPr>
+            <a:r>
+              <a:rPr lang="en-US" altLang="en-US" sz="2200">
                 <a:latin typeface="Times New Roman" panose="02020603050405020304" pitchFamily="18" charset="0"/>
                 <a:cs typeface="Times New Roman" panose="02020603050405020304" pitchFamily="18" charset="0"/>
               </a:rPr>
-              <a:t>    Help identify areas for improvement, cost-saving opportunities, and supplier     performance optimization</a:t>
-            </a:r>
-            <a:endParaRPr lang="en-IN" sz="2200">
+              <a:t>Budget Utilization:</a:t>
+            </a:r>
+          </a:p>
+          <a:p>
+            <a:pPr eaLnBrk="0" fontAlgn="base" hangingPunct="0">
+              <a:spcBef>
+                <a:spcPct val="0"/>
+              </a:spcBef>
+              <a:spcAft>
+                <a:spcPts val="600"/>
+              </a:spcAft>
+            </a:pPr>
+            <a:r>
+              <a:rPr lang="en-US" altLang="en-US" sz="2200">
+                <a:latin typeface="Times New Roman" panose="02020603050405020304" pitchFamily="18" charset="0"/>
+                <a:cs typeface="Times New Roman" panose="02020603050405020304" pitchFamily="18" charset="0"/>
+              </a:rPr>
+              <a:t>How government budgets are allocated and spent</a:t>
+            </a:r>
+          </a:p>
+          <a:p>
+            <a:pPr eaLnBrk="0" fontAlgn="base" hangingPunct="0">
+              <a:spcBef>
+                <a:spcPct val="0"/>
+              </a:spcBef>
+              <a:spcAft>
+                <a:spcPts val="600"/>
+              </a:spcAft>
+            </a:pPr>
+            <a:r>
+              <a:rPr lang="en-US" altLang="en-US" sz="2200">
+                <a:latin typeface="Times New Roman" panose="02020603050405020304" pitchFamily="18" charset="0"/>
+                <a:cs typeface="Times New Roman" panose="02020603050405020304" pitchFamily="18" charset="0"/>
+              </a:rPr>
+              <a:t>Variations in procurement by region or department</a:t>
+            </a:r>
+          </a:p>
+          <a:p>
+            <a:pPr marL="0" marR="0" lvl="0" indent="0" defTabSz="914400" rtl="0" eaLnBrk="0" fontAlgn="base" latinLnBrk="0" hangingPunct="0">
+              <a:spcBef>
+                <a:spcPct val="0"/>
+              </a:spcBef>
+              <a:spcAft>
+                <a:spcPts val="600"/>
+              </a:spcAft>
+              <a:buClrTx/>
+              <a:buSzTx/>
+              <a:buFontTx/>
+              <a:buNone/>
+              <a:tabLst/>
+            </a:pPr>
+            <a:endParaRPr kumimoji="0" lang="en-US" altLang="en-US" sz="2200" b="0" i="0" u="none" strike="noStrike" cap="none" normalizeH="0" baseline="0">
+              <a:ln>
+                <a:noFill/>
+              </a:ln>
+              <a:effectLst/>
               <a:latin typeface="Times New Roman" panose="02020603050405020304" pitchFamily="18" charset="0"/>
               <a:cs typeface="Times New Roman" panose="02020603050405020304" pitchFamily="18" charset="0"/>
             </a:endParaRPr>
@@ -8758,7 +8893,7 @@
     </p:spTree>
     <p:extLst>
       <p:ext uri="{BB962C8B-B14F-4D97-AF65-F5344CB8AC3E}">
-        <p14:creationId xmlns:p14="http://schemas.microsoft.com/office/powerpoint/2010/main" val="1315108364"/>
+        <p14:creationId xmlns:p14="http://schemas.microsoft.com/office/powerpoint/2010/main" val="3985674382"/>
       </p:ext>
     </p:extLst>
   </p:cSld>
@@ -8768,7 +8903,7 @@
 </p:sld>
 </file>
 
-<file path=ppt/slides/slide7.xml><?xml version="1.0" encoding="utf-8"?>
+<file path=ppt/slides/slide6.xml><?xml version="1.0" encoding="utf-8"?>
 <p:sld xmlns:a="http://schemas.openxmlformats.org/drawingml/2006/main" xmlns:r="http://schemas.openxmlformats.org/officeDocument/2006/relationships" xmlns:p="http://schemas.openxmlformats.org/presentationml/2006/main">
   <p:cSld>
     <p:bg>
@@ -8795,7 +8930,7 @@
       </p:grpSpPr>
       <p:sp useBgFill="1">
         <p:nvSpPr>
-          <p:cNvPr id="9" name="Rectangle 8">
+          <p:cNvPr id="8" name="Rectangle 7">
             <a:extLst>
               <a:ext uri="{FF2B5EF4-FFF2-40B4-BE49-F238E27FC236}">
                 <a16:creationId xmlns:a16="http://schemas.microsoft.com/office/drawing/2014/main" id="{100EDD19-6802-4EC3-95CE-CFFAB042CFD6}"/>
@@ -8858,7 +8993,7 @@
           <p:cNvPr id="2" name="Title 1">
             <a:extLst>
               <a:ext uri="{FF2B5EF4-FFF2-40B4-BE49-F238E27FC236}">
-                <a16:creationId xmlns:a16="http://schemas.microsoft.com/office/drawing/2014/main" id="{6DE38F8C-5470-33F0-B87A-1470F4B82EEF}"/>
+                <a16:creationId xmlns:a16="http://schemas.microsoft.com/office/drawing/2014/main" id="{E09BDADA-5FBD-D50F-5521-7EFC69191F74}"/>
               </a:ext>
             </a:extLst>
           </p:cNvPr>
@@ -8886,14 +9021,14 @@
                 <a:latin typeface="Times New Roman" panose="02020603050405020304" pitchFamily="18" charset="0"/>
                 <a:cs typeface="Times New Roman" panose="02020603050405020304" pitchFamily="18" charset="0"/>
               </a:rPr>
-              <a:t>Key Metrics Visualized</a:t>
+              <a:t>Power BI Dashboard Overview</a:t>
             </a:r>
           </a:p>
         </p:txBody>
       </p:sp>
       <p:sp>
         <p:nvSpPr>
-          <p:cNvPr id="11" name="sketch line">
+          <p:cNvPr id="10" name="sketch line">
             <a:extLst>
               <a:ext uri="{FF2B5EF4-FFF2-40B4-BE49-F238E27FC236}">
                 <a16:creationId xmlns:a16="http://schemas.microsoft.com/office/drawing/2014/main" id="{DB17E863-922E-4C26-BD64-E8FD41D28661}"/>
@@ -9531,253 +9666,111 @@
       </p:sp>
       <p:sp>
         <p:nvSpPr>
-          <p:cNvPr id="4" name="Rectangle 1">
+          <p:cNvPr id="3" name="Content Placeholder 2">
             <a:extLst>
               <a:ext uri="{FF2B5EF4-FFF2-40B4-BE49-F238E27FC236}">
-                <a16:creationId xmlns:a16="http://schemas.microsoft.com/office/drawing/2014/main" id="{61DD466A-F70F-12A7-3563-1602A13EA05D}"/>
+                <a16:creationId xmlns:a16="http://schemas.microsoft.com/office/drawing/2014/main" id="{212E717F-FD2D-E1BB-79CE-E305396B4979}"/>
               </a:ext>
             </a:extLst>
           </p:cNvPr>
           <p:cNvSpPr>
-            <a:spLocks noGrp="1" noChangeArrowheads="1"/>
+            <a:spLocks noGrp="1"/>
           </p:cNvSpPr>
           <p:nvPr>
             <p:ph idx="1"/>
           </p:nvPr>
         </p:nvSpPr>
-        <p:spPr bwMode="auto">
+        <p:spPr>
           <a:xfrm>
             <a:off x="838200" y="1929384"/>
             <a:ext cx="10515600" cy="4251960"/>
           </a:xfrm>
-          <a:prstGeom prst="rect">
-            <a:avLst/>
-          </a:prstGeom>
-          <a:extLst>
-            <a:ext uri="{909E8E84-426E-40DD-AFC4-6F175D3DCCD1}">
-              <a14:hiddenFill xmlns:a14="http://schemas.microsoft.com/office/drawing/2010/main">
-                <a:solidFill>
-                  <a:schemeClr val="accent1"/>
-                </a:solidFill>
-              </a14:hiddenFill>
-            </a:ext>
-            <a:ext uri="{91240B29-F687-4F45-9708-019B960494DF}">
-              <a14:hiddenLine xmlns:a14="http://schemas.microsoft.com/office/drawing/2010/main" w="9525">
-                <a:solidFill>
-                  <a:schemeClr val="tx1"/>
-                </a:solidFill>
-                <a:miter lim="800000"/>
-                <a:headEnd/>
-                <a:tailEnd/>
-              </a14:hiddenLine>
-            </a:ext>
-            <a:ext uri="{AF507438-7753-43E0-B8FC-AC1667EBCBE1}">
-              <a14:hiddenEffects xmlns:a14="http://schemas.microsoft.com/office/drawing/2010/main">
-                <a:effectLst>
-                  <a:outerShdw dist="35921" dir="2700000" algn="ctr" rotWithShape="0">
-                    <a:schemeClr val="bg2"/>
-                  </a:outerShdw>
-                </a:effectLst>
-              </a14:hiddenEffects>
-            </a:ext>
-          </a:extLst>
         </p:spPr>
         <p:txBody>
-          <a:bodyPr vert="horz" lIns="91440" tIns="45720" rIns="91440" bIns="45720" numCol="1" anchorCtr="0" compatLnSpc="1">
-            <a:prstTxWarp prst="textNoShape">
-              <a:avLst/>
-            </a:prstTxWarp>
+          <a:bodyPr>
             <a:normAutofit/>
           </a:bodyPr>
           <a:lstStyle/>
           <a:p>
-            <a:pPr marL="0" marR="0" lvl="0" indent="0" defTabSz="914400" rtl="0" eaLnBrk="0" fontAlgn="base" latinLnBrk="0" hangingPunct="0">
-              <a:spcBef>
-                <a:spcPct val="0"/>
-              </a:spcBef>
-              <a:spcAft>
-                <a:spcPts val="600"/>
-              </a:spcAft>
-              <a:buClrTx/>
-              <a:buSzTx/>
+            <a:pPr marL="0" indent="0">
               <a:buNone/>
-              <a:tabLst/>
             </a:pPr>
             <a:r>
-              <a:rPr lang="en-US" altLang="en-US" sz="2200" dirty="0">
+              <a:rPr lang="en-US" sz="2200">
                 <a:latin typeface="Times New Roman" panose="02020603050405020304" pitchFamily="18" charset="0"/>
                 <a:cs typeface="Times New Roman" panose="02020603050405020304" pitchFamily="18" charset="0"/>
               </a:rPr>
-              <a:t>Contract Value Distribution:</a:t>
-            </a:r>
-          </a:p>
-          <a:p>
-            <a:pPr eaLnBrk="0" fontAlgn="base" hangingPunct="0">
-              <a:spcBef>
-                <a:spcPct val="0"/>
-              </a:spcBef>
-              <a:spcAft>
-                <a:spcPts val="600"/>
-              </a:spcAft>
-            </a:pPr>
-            <a:r>
-              <a:rPr lang="en-US" altLang="en-US" sz="2200" dirty="0">
+              <a:t>Features:</a:t>
+            </a:r>
+          </a:p>
+          <a:p>
+            <a:r>
+              <a:rPr lang="en-US" sz="2200">
                 <a:latin typeface="Times New Roman" panose="02020603050405020304" pitchFamily="18" charset="0"/>
                 <a:cs typeface="Times New Roman" panose="02020603050405020304" pitchFamily="18" charset="0"/>
               </a:rPr>
-              <a:t>Visualize the spread of contract values and identify high-value contracts.</a:t>
-            </a:r>
-          </a:p>
-          <a:p>
-            <a:pPr marL="0" marR="0" lvl="0" indent="0" defTabSz="914400" rtl="0" eaLnBrk="0" fontAlgn="base" latinLnBrk="0" hangingPunct="0">
-              <a:spcBef>
-                <a:spcPct val="0"/>
-              </a:spcBef>
-              <a:spcAft>
-                <a:spcPts val="600"/>
-              </a:spcAft>
-              <a:buClrTx/>
-              <a:buSzTx/>
+              <a:t>    Dynamic filters for contract types, suppliers, time periods, etc.</a:t>
+            </a:r>
+          </a:p>
+          <a:p>
+            <a:r>
+              <a:rPr lang="en-US" sz="2200">
+                <a:latin typeface="Times New Roman" panose="02020603050405020304" pitchFamily="18" charset="0"/>
+                <a:cs typeface="Times New Roman" panose="02020603050405020304" pitchFamily="18" charset="0"/>
+              </a:rPr>
+              <a:t>    Visualizations like bar charts, pie charts, trend lines, and KPIs</a:t>
+            </a:r>
+          </a:p>
+          <a:p>
+            <a:r>
+              <a:rPr lang="en-US" sz="2200">
+                <a:latin typeface="Times New Roman" panose="02020603050405020304" pitchFamily="18" charset="0"/>
+                <a:cs typeface="Times New Roman" panose="02020603050405020304" pitchFamily="18" charset="0"/>
+              </a:rPr>
+              <a:t>    Interactive data exploration for stakeholders</a:t>
+            </a:r>
+          </a:p>
+          <a:p>
+            <a:pPr marL="0" indent="0">
               <a:buNone/>
-              <a:tabLst/>
             </a:pPr>
-            <a:endParaRPr lang="en-US" altLang="en-US" sz="2200" dirty="0">
+            <a:endParaRPr lang="en-US" sz="2200">
               <a:latin typeface="Times New Roman" panose="02020603050405020304" pitchFamily="18" charset="0"/>
               <a:cs typeface="Times New Roman" panose="02020603050405020304" pitchFamily="18" charset="0"/>
             </a:endParaRPr>
           </a:p>
           <a:p>
-            <a:pPr marL="0" marR="0" lvl="0" indent="0" defTabSz="914400" rtl="0" eaLnBrk="0" fontAlgn="base" latinLnBrk="0" hangingPunct="0">
-              <a:spcBef>
-                <a:spcPct val="0"/>
-              </a:spcBef>
-              <a:spcAft>
-                <a:spcPts val="600"/>
-              </a:spcAft>
-              <a:buClrTx/>
-              <a:buSzTx/>
+            <a:pPr marL="0" indent="0">
               <a:buNone/>
-              <a:tabLst/>
             </a:pPr>
             <a:r>
-              <a:rPr lang="en-US" altLang="en-US" sz="2200" dirty="0">
+              <a:rPr lang="en-US" sz="2200">
                 <a:latin typeface="Times New Roman" panose="02020603050405020304" pitchFamily="18" charset="0"/>
                 <a:cs typeface="Times New Roman" panose="02020603050405020304" pitchFamily="18" charset="0"/>
               </a:rPr>
-              <a:t>Procurement Trends Over Time:</a:t>
-            </a:r>
-          </a:p>
-          <a:p>
-            <a:pPr eaLnBrk="0" fontAlgn="base" hangingPunct="0">
-              <a:spcBef>
-                <a:spcPct val="0"/>
-              </a:spcBef>
-              <a:spcAft>
-                <a:spcPts val="600"/>
-              </a:spcAft>
-            </a:pPr>
-            <a:r>
-              <a:rPr lang="en-US" altLang="en-US" sz="2200" dirty="0">
+              <a:t>Purpose:</a:t>
+            </a:r>
+          </a:p>
+          <a:p>
+            <a:r>
+              <a:rPr lang="en-US" sz="2200">
                 <a:latin typeface="Times New Roman" panose="02020603050405020304" pitchFamily="18" charset="0"/>
                 <a:cs typeface="Times New Roman" panose="02020603050405020304" pitchFamily="18" charset="0"/>
               </a:rPr>
-              <a:t>A chart showing changes in procurement spending year-over-year.</a:t>
-            </a:r>
-          </a:p>
-          <a:p>
-            <a:pPr marL="0" marR="0" lvl="0" indent="0" defTabSz="914400" rtl="0" eaLnBrk="0" fontAlgn="base" latinLnBrk="0" hangingPunct="0">
-              <a:spcBef>
-                <a:spcPct val="0"/>
-              </a:spcBef>
-              <a:spcAft>
-                <a:spcPts val="600"/>
-              </a:spcAft>
-              <a:buClrTx/>
-              <a:buSzTx/>
-              <a:buNone/>
-              <a:tabLst/>
-            </a:pPr>
-            <a:endParaRPr lang="en-US" altLang="en-US" sz="2200" dirty="0">
-              <a:latin typeface="Times New Roman" panose="02020603050405020304" pitchFamily="18" charset="0"/>
-              <a:cs typeface="Times New Roman" panose="02020603050405020304" pitchFamily="18" charset="0"/>
-            </a:endParaRPr>
-          </a:p>
-          <a:p>
-            <a:pPr marL="0" marR="0" lvl="0" indent="0" defTabSz="914400" rtl="0" eaLnBrk="0" fontAlgn="base" latinLnBrk="0" hangingPunct="0">
-              <a:spcBef>
-                <a:spcPct val="0"/>
-              </a:spcBef>
-              <a:spcAft>
-                <a:spcPts val="600"/>
-              </a:spcAft>
-              <a:buClrTx/>
-              <a:buSzTx/>
-              <a:buNone/>
-              <a:tabLst/>
-            </a:pPr>
-            <a:r>
-              <a:rPr lang="en-US" altLang="en-US" sz="2200" dirty="0">
+              <a:t>    Allow decision-makers to explore procurement data in real-time</a:t>
+            </a:r>
+          </a:p>
+          <a:p>
+            <a:r>
+              <a:rPr lang="en-US" sz="2200">
                 <a:latin typeface="Times New Roman" panose="02020603050405020304" pitchFamily="18" charset="0"/>
                 <a:cs typeface="Times New Roman" panose="02020603050405020304" pitchFamily="18" charset="0"/>
               </a:rPr>
-              <a:t>Supplier Performance:</a:t>
-            </a:r>
-          </a:p>
-          <a:p>
-            <a:pPr eaLnBrk="0" fontAlgn="base" hangingPunct="0">
-              <a:spcBef>
-                <a:spcPct val="0"/>
-              </a:spcBef>
-              <a:spcAft>
-                <a:spcPts val="600"/>
-              </a:spcAft>
-            </a:pPr>
-            <a:r>
-              <a:rPr lang="en-US" altLang="en-US" sz="2200" dirty="0">
-                <a:latin typeface="Times New Roman" panose="02020603050405020304" pitchFamily="18" charset="0"/>
-                <a:cs typeface="Times New Roman" panose="02020603050405020304" pitchFamily="18" charset="0"/>
-              </a:rPr>
-              <a:t>Pie chart visualizing the share of total contracts by each supplier.</a:t>
-            </a:r>
-          </a:p>
-          <a:p>
-            <a:pPr marL="0" marR="0" lvl="0" indent="0" defTabSz="914400" rtl="0" eaLnBrk="0" fontAlgn="base" latinLnBrk="0" hangingPunct="0">
-              <a:spcBef>
-                <a:spcPct val="0"/>
-              </a:spcBef>
-              <a:spcAft>
-                <a:spcPts val="600"/>
-              </a:spcAft>
-              <a:buClrTx/>
-              <a:buSzTx/>
-              <a:buNone/>
-              <a:tabLst/>
-            </a:pPr>
-            <a:endParaRPr lang="en-US" altLang="en-US" sz="2200" dirty="0">
+              <a:t>    Help identify areas for improvement, cost-saving opportunities, and supplier     performance optimization</a:t>
+            </a:r>
+            <a:endParaRPr lang="en-IN" sz="2200">
               <a:latin typeface="Times New Roman" panose="02020603050405020304" pitchFamily="18" charset="0"/>
               <a:cs typeface="Times New Roman" panose="02020603050405020304" pitchFamily="18" charset="0"/>
-            </a:endParaRPr>
-          </a:p>
-          <a:p>
-            <a:pPr marL="0" marR="0" lvl="0" indent="0" defTabSz="914400" rtl="0" eaLnBrk="0" fontAlgn="base" latinLnBrk="0" hangingPunct="0">
-              <a:spcBef>
-                <a:spcPct val="0"/>
-              </a:spcBef>
-              <a:spcAft>
-                <a:spcPts val="600"/>
-              </a:spcAft>
-              <a:buClrTx/>
-              <a:buSzTx/>
-              <a:buFontTx/>
-              <a:buNone/>
-              <a:tabLst/>
-            </a:pPr>
-            <a:endParaRPr kumimoji="0" lang="en-US" altLang="en-US" sz="2200" b="0" i="0" u="none" strike="noStrike" cap="none" normalizeH="0" baseline="0" dirty="0">
-              <a:ln>
-                <a:noFill/>
-              </a:ln>
-              <a:effectLst/>
-              <a:latin typeface="Arial" panose="020B0604020202020204" pitchFamily="34" charset="0"/>
             </a:endParaRPr>
           </a:p>
         </p:txBody>
@@ -9785,7 +9778,7 @@
     </p:spTree>
     <p:extLst>
       <p:ext uri="{BB962C8B-B14F-4D97-AF65-F5344CB8AC3E}">
-        <p14:creationId xmlns:p14="http://schemas.microsoft.com/office/powerpoint/2010/main" val="1741789411"/>
+        <p14:creationId xmlns:p14="http://schemas.microsoft.com/office/powerpoint/2010/main" val="1315108364"/>
       </p:ext>
     </p:extLst>
   </p:cSld>
@@ -9795,7 +9788,7 @@
 </p:sld>
 </file>
 
-<file path=ppt/slides/slide8.xml><?xml version="1.0" encoding="utf-8"?>
+<file path=ppt/slides/slide7.xml><?xml version="1.0" encoding="utf-8"?>
 <p:sld xmlns:a="http://schemas.openxmlformats.org/drawingml/2006/main" xmlns:r="http://schemas.openxmlformats.org/officeDocument/2006/relationships" xmlns:p="http://schemas.openxmlformats.org/presentationml/2006/main">
   <p:cSld>
     <p:bg>
@@ -9885,7 +9878,7 @@
           <p:cNvPr id="2" name="Title 1">
             <a:extLst>
               <a:ext uri="{FF2B5EF4-FFF2-40B4-BE49-F238E27FC236}">
-                <a16:creationId xmlns:a16="http://schemas.microsoft.com/office/drawing/2014/main" id="{86F1AE98-EC24-0BDA-DF18-AB87DC178D29}"/>
+                <a16:creationId xmlns:a16="http://schemas.microsoft.com/office/drawing/2014/main" id="{6DE38F8C-5470-33F0-B87A-1470F4B82EEF}"/>
               </a:ext>
             </a:extLst>
           </p:cNvPr>
@@ -9913,7 +9906,7 @@
                 <a:latin typeface="Times New Roman" panose="02020603050405020304" pitchFamily="18" charset="0"/>
                 <a:cs typeface="Times New Roman" panose="02020603050405020304" pitchFamily="18" charset="0"/>
               </a:rPr>
-              <a:t>Challenges and Learnings</a:t>
+              <a:t>Key Metrics Visualized</a:t>
             </a:r>
           </a:p>
         </p:txBody>
@@ -10561,7 +10554,7 @@
           <p:cNvPr id="4" name="Rectangle 1">
             <a:extLst>
               <a:ext uri="{FF2B5EF4-FFF2-40B4-BE49-F238E27FC236}">
-                <a16:creationId xmlns:a16="http://schemas.microsoft.com/office/drawing/2014/main" id="{41D7BB7A-DEB0-18F3-75B8-09555DE80C8A}"/>
+                <a16:creationId xmlns:a16="http://schemas.microsoft.com/office/drawing/2014/main" id="{61DD466A-F70F-12A7-3563-1602A13EA05D}"/>
               </a:ext>
             </a:extLst>
           </p:cNvPr>
@@ -10631,8 +10624,11 @@
               <a:tabLst/>
             </a:pPr>
             <a:r>
-              <a:rPr lang="en-US" altLang="en-US" sz="2200"/>
-              <a:t>Data Limitations:</a:t>
+              <a:rPr lang="en-US" altLang="en-US" sz="2200" dirty="0">
+                <a:latin typeface="Times New Roman" panose="02020603050405020304" pitchFamily="18" charset="0"/>
+                <a:cs typeface="Times New Roman" panose="02020603050405020304" pitchFamily="18" charset="0"/>
+              </a:rPr>
+              <a:t>Contract Value Distribution:</a:t>
             </a:r>
           </a:p>
           <a:p>
@@ -10645,22 +10641,11 @@
               </a:spcAft>
             </a:pPr>
             <a:r>
-              <a:rPr lang="en-US" altLang="en-US" sz="2200"/>
-              <a:t>Missing or incomplete data fields</a:t>
-            </a:r>
-          </a:p>
-          <a:p>
-            <a:pPr eaLnBrk="0" fontAlgn="base" hangingPunct="0">
-              <a:spcBef>
-                <a:spcPct val="0"/>
-              </a:spcBef>
-              <a:spcAft>
-                <a:spcPts val="600"/>
-              </a:spcAft>
-            </a:pPr>
-            <a:r>
-              <a:rPr lang="en-US" altLang="en-US" sz="2200"/>
-              <a:t>Data biases in supplier selection or procurement allocation</a:t>
+              <a:rPr lang="en-US" altLang="en-US" sz="2200" dirty="0">
+                <a:latin typeface="Times New Roman" panose="02020603050405020304" pitchFamily="18" charset="0"/>
+                <a:cs typeface="Times New Roman" panose="02020603050405020304" pitchFamily="18" charset="0"/>
+              </a:rPr>
+              <a:t>Visualize the spread of contract values and identify high-value contracts.</a:t>
             </a:r>
           </a:p>
           <a:p>
@@ -10676,7 +10661,10 @@
               <a:buNone/>
               <a:tabLst/>
             </a:pPr>
-            <a:endParaRPr lang="en-US" altLang="en-US" sz="2200"/>
+            <a:endParaRPr lang="en-US" altLang="en-US" sz="2200" dirty="0">
+              <a:latin typeface="Times New Roman" panose="02020603050405020304" pitchFamily="18" charset="0"/>
+              <a:cs typeface="Times New Roman" panose="02020603050405020304" pitchFamily="18" charset="0"/>
+            </a:endParaRPr>
           </a:p>
           <a:p>
             <a:pPr marL="0" marR="0" lvl="0" indent="0" defTabSz="914400" rtl="0" eaLnBrk="0" fontAlgn="base" latinLnBrk="0" hangingPunct="0">
@@ -10692,8 +10680,11 @@
               <a:tabLst/>
             </a:pPr>
             <a:r>
-              <a:rPr lang="en-US" altLang="en-US" sz="2200"/>
-              <a:t>Lessons Learned:</a:t>
+              <a:rPr lang="en-US" altLang="en-US" sz="2200" dirty="0">
+                <a:latin typeface="Times New Roman" panose="02020603050405020304" pitchFamily="18" charset="0"/>
+                <a:cs typeface="Times New Roman" panose="02020603050405020304" pitchFamily="18" charset="0"/>
+              </a:rPr>
+              <a:t>Procurement Trends Over Time:</a:t>
             </a:r>
           </a:p>
           <a:p>
@@ -10706,8 +10697,50 @@
               </a:spcAft>
             </a:pPr>
             <a:r>
-              <a:rPr lang="en-US" altLang="en-US" sz="2200"/>
-              <a:t>Importance of clean and standardized data for accurate analysis</a:t>
+              <a:rPr lang="en-US" altLang="en-US" sz="2200" dirty="0">
+                <a:latin typeface="Times New Roman" panose="02020603050405020304" pitchFamily="18" charset="0"/>
+                <a:cs typeface="Times New Roman" panose="02020603050405020304" pitchFamily="18" charset="0"/>
+              </a:rPr>
+              <a:t>A chart showing changes in procurement spending year-over-year.</a:t>
+            </a:r>
+          </a:p>
+          <a:p>
+            <a:pPr marL="0" marR="0" lvl="0" indent="0" defTabSz="914400" rtl="0" eaLnBrk="0" fontAlgn="base" latinLnBrk="0" hangingPunct="0">
+              <a:spcBef>
+                <a:spcPct val="0"/>
+              </a:spcBef>
+              <a:spcAft>
+                <a:spcPts val="600"/>
+              </a:spcAft>
+              <a:buClrTx/>
+              <a:buSzTx/>
+              <a:buNone/>
+              <a:tabLst/>
+            </a:pPr>
+            <a:endParaRPr lang="en-US" altLang="en-US" sz="2200" dirty="0">
+              <a:latin typeface="Times New Roman" panose="02020603050405020304" pitchFamily="18" charset="0"/>
+              <a:cs typeface="Times New Roman" panose="02020603050405020304" pitchFamily="18" charset="0"/>
+            </a:endParaRPr>
+          </a:p>
+          <a:p>
+            <a:pPr marL="0" marR="0" lvl="0" indent="0" defTabSz="914400" rtl="0" eaLnBrk="0" fontAlgn="base" latinLnBrk="0" hangingPunct="0">
+              <a:spcBef>
+                <a:spcPct val="0"/>
+              </a:spcBef>
+              <a:spcAft>
+                <a:spcPts val="600"/>
+              </a:spcAft>
+              <a:buClrTx/>
+              <a:buSzTx/>
+              <a:buNone/>
+              <a:tabLst/>
+            </a:pPr>
+            <a:r>
+              <a:rPr lang="en-US" altLang="en-US" sz="2200" dirty="0">
+                <a:latin typeface="Times New Roman" panose="02020603050405020304" pitchFamily="18" charset="0"/>
+                <a:cs typeface="Times New Roman" panose="02020603050405020304" pitchFamily="18" charset="0"/>
+              </a:rPr>
+              <a:t>Supplier Performance:</a:t>
             </a:r>
           </a:p>
           <a:p>
@@ -10720,9 +10753,30 @@
               </a:spcAft>
             </a:pPr>
             <a:r>
-              <a:rPr lang="en-US" altLang="en-US" sz="2200"/>
-              <a:t>Value of interactive dashboards in decision-making processes</a:t>
-            </a:r>
+              <a:rPr lang="en-US" altLang="en-US" sz="2200" dirty="0">
+                <a:latin typeface="Times New Roman" panose="02020603050405020304" pitchFamily="18" charset="0"/>
+                <a:cs typeface="Times New Roman" panose="02020603050405020304" pitchFamily="18" charset="0"/>
+              </a:rPr>
+              <a:t>Pie chart visualizing the share of total contracts by each supplier.</a:t>
+            </a:r>
+          </a:p>
+          <a:p>
+            <a:pPr marL="0" marR="0" lvl="0" indent="0" defTabSz="914400" rtl="0" eaLnBrk="0" fontAlgn="base" latinLnBrk="0" hangingPunct="0">
+              <a:spcBef>
+                <a:spcPct val="0"/>
+              </a:spcBef>
+              <a:spcAft>
+                <a:spcPts val="600"/>
+              </a:spcAft>
+              <a:buClrTx/>
+              <a:buSzTx/>
+              <a:buNone/>
+              <a:tabLst/>
+            </a:pPr>
+            <a:endParaRPr lang="en-US" altLang="en-US" sz="2200" dirty="0">
+              <a:latin typeface="Times New Roman" panose="02020603050405020304" pitchFamily="18" charset="0"/>
+              <a:cs typeface="Times New Roman" panose="02020603050405020304" pitchFamily="18" charset="0"/>
+            </a:endParaRPr>
           </a:p>
           <a:p>
             <a:pPr marL="0" marR="0" lvl="0" indent="0" defTabSz="914400" rtl="0" eaLnBrk="0" fontAlgn="base" latinLnBrk="0" hangingPunct="0">
@@ -10738,7 +10792,7 @@
               <a:buNone/>
               <a:tabLst/>
             </a:pPr>
-            <a:endParaRPr kumimoji="0" lang="en-US" altLang="en-US" sz="2200" b="0" i="0" u="none" strike="noStrike" cap="none" normalizeH="0" baseline="0">
+            <a:endParaRPr kumimoji="0" lang="en-US" altLang="en-US" sz="2200" b="0" i="0" u="none" strike="noStrike" cap="none" normalizeH="0" baseline="0" dirty="0">
               <a:ln>
                 <a:noFill/>
               </a:ln>
@@ -10751,7 +10805,7 @@
     </p:spTree>
     <p:extLst>
       <p:ext uri="{BB962C8B-B14F-4D97-AF65-F5344CB8AC3E}">
-        <p14:creationId xmlns:p14="http://schemas.microsoft.com/office/powerpoint/2010/main" val="1668384369"/>
+        <p14:creationId xmlns:p14="http://schemas.microsoft.com/office/powerpoint/2010/main" val="1741789411"/>
       </p:ext>
     </p:extLst>
   </p:cSld>
@@ -10761,7 +10815,7 @@
 </p:sld>
 </file>
 
-<file path=ppt/slides/slide9.xml><?xml version="1.0" encoding="utf-8"?>
+<file path=ppt/slides/slide8.xml><?xml version="1.0" encoding="utf-8"?>
 <p:sld xmlns:a="http://schemas.openxmlformats.org/drawingml/2006/main" xmlns:r="http://schemas.openxmlformats.org/officeDocument/2006/relationships" xmlns:p="http://schemas.openxmlformats.org/presentationml/2006/main">
   <p:cSld>
     <p:bg>
@@ -10774,7 +10828,13 @@
     </p:bg>
     <p:spTree>
       <p:nvGrpSpPr>
-        <p:cNvPr id="1" name=""/>
+        <p:cNvPr id="1" name="">
+          <a:extLst>
+            <a:ext uri="{FF2B5EF4-FFF2-40B4-BE49-F238E27FC236}">
+              <a16:creationId xmlns:a16="http://schemas.microsoft.com/office/drawing/2014/main" id="{A446ADC2-1028-2A46-267A-D7FC8A5B8800}"/>
+            </a:ext>
+          </a:extLst>
+        </p:cNvPr>
         <p:cNvGrpSpPr/>
         <p:nvPr/>
       </p:nvGrpSpPr>
@@ -10791,7 +10851,7 @@
           <p:cNvPr id="9" name="Rectangle 8">
             <a:extLst>
               <a:ext uri="{FF2B5EF4-FFF2-40B4-BE49-F238E27FC236}">
-                <a16:creationId xmlns:a16="http://schemas.microsoft.com/office/drawing/2014/main" id="{100EDD19-6802-4EC3-95CE-CFFAB042CFD6}"/>
+                <a16:creationId xmlns:a16="http://schemas.microsoft.com/office/drawing/2014/main" id="{B8322170-9E93-054F-12D9-E0761879284F}"/>
               </a:ext>
               <a:ext uri="{C183D7F6-B498-43B3-948B-1728B52AA6E4}">
                 <adec:decorative xmlns:adec="http://schemas.microsoft.com/office/drawing/2017/decorative" val="1"/>
@@ -10851,7 +10911,7 @@
           <p:cNvPr id="2" name="Title 1">
             <a:extLst>
               <a:ext uri="{FF2B5EF4-FFF2-40B4-BE49-F238E27FC236}">
-                <a16:creationId xmlns:a16="http://schemas.microsoft.com/office/drawing/2014/main" id="{A9570DED-2170-3621-5460-3FE63E64C613}"/>
+                <a16:creationId xmlns:a16="http://schemas.microsoft.com/office/drawing/2014/main" id="{C984313F-FFDF-4202-9DED-2F82A73D2E8F}"/>
               </a:ext>
             </a:extLst>
           </p:cNvPr>
@@ -10875,11 +10935,11 @@
           <a:lstStyle/>
           <a:p>
             <a:r>
-              <a:rPr lang="en-IN" sz="5400">
+              <a:rPr lang="en-IN" sz="5400" dirty="0">
                 <a:latin typeface="Times New Roman" panose="02020603050405020304" pitchFamily="18" charset="0"/>
                 <a:cs typeface="Times New Roman" panose="02020603050405020304" pitchFamily="18" charset="0"/>
               </a:rPr>
-              <a:t>Conclusion</a:t>
+              <a:t>Key Metrics Visualized</a:t>
             </a:r>
           </a:p>
         </p:txBody>
@@ -10889,7 +10949,7 @@
           <p:cNvPr id="11" name="sketch line">
             <a:extLst>
               <a:ext uri="{FF2B5EF4-FFF2-40B4-BE49-F238E27FC236}">
-                <a16:creationId xmlns:a16="http://schemas.microsoft.com/office/drawing/2014/main" id="{DB17E863-922E-4C26-BD64-E8FD41D28661}"/>
+                <a16:creationId xmlns:a16="http://schemas.microsoft.com/office/drawing/2014/main" id="{B2A950DB-2618-BAF9-2FE5-0DB0CC6DB6EB}"/>
               </a:ext>
               <a:ext uri="{C183D7F6-B498-43B3-948B-1728B52AA6E4}">
                 <adec:decorative xmlns:adec="http://schemas.microsoft.com/office/drawing/2017/decorative" val="1"/>
@@ -11522,12 +11582,846 @@
           </a:p>
         </p:txBody>
       </p:sp>
+      <p:pic>
+        <p:nvPicPr>
+          <p:cNvPr id="5" name="Content Placeholder 4">
+            <a:extLst>
+              <a:ext uri="{FF2B5EF4-FFF2-40B4-BE49-F238E27FC236}">
+                <a16:creationId xmlns:a16="http://schemas.microsoft.com/office/drawing/2014/main" id="{19F34FC0-4A1D-FA3C-3321-2C45AC0CCCB2}"/>
+              </a:ext>
+            </a:extLst>
+          </p:cNvPr>
+          <p:cNvPicPr>
+            <a:picLocks noGrp="1" noChangeAspect="1"/>
+          </p:cNvPicPr>
+          <p:nvPr>
+            <p:ph idx="1"/>
+          </p:nvPr>
+        </p:nvPicPr>
+        <p:blipFill>
+          <a:blip r:embed="rId2"/>
+          <a:stretch>
+            <a:fillRect/>
+          </a:stretch>
+        </p:blipFill>
+        <p:spPr bwMode="auto">
+          <a:xfrm>
+            <a:off x="751841" y="1928813"/>
+            <a:ext cx="10271760" cy="4564062"/>
+          </a:xfrm>
+          <a:prstGeom prst="rect">
+            <a:avLst/>
+          </a:prstGeom>
+          <a:extLst>
+            <a:ext uri="{909E8E84-426E-40DD-AFC4-6F175D3DCCD1}">
+              <a14:hiddenFill xmlns:a14="http://schemas.microsoft.com/office/drawing/2010/main">
+                <a:solidFill>
+                  <a:schemeClr val="accent1"/>
+                </a:solidFill>
+              </a14:hiddenFill>
+            </a:ext>
+            <a:ext uri="{91240B29-F687-4F45-9708-019B960494DF}">
+              <a14:hiddenLine xmlns:a14="http://schemas.microsoft.com/office/drawing/2010/main" w="9525">
+                <a:solidFill>
+                  <a:schemeClr val="tx1"/>
+                </a:solidFill>
+                <a:miter lim="800000"/>
+                <a:headEnd/>
+                <a:tailEnd/>
+              </a14:hiddenLine>
+            </a:ext>
+            <a:ext uri="{AF507438-7753-43E0-B8FC-AC1667EBCBE1}">
+              <a14:hiddenEffects xmlns:a14="http://schemas.microsoft.com/office/drawing/2010/main">
+                <a:effectLst>
+                  <a:outerShdw dist="35921" dir="2700000" algn="ctr" rotWithShape="0">
+                    <a:schemeClr val="bg2"/>
+                  </a:outerShdw>
+                </a:effectLst>
+              </a14:hiddenEffects>
+            </a:ext>
+          </a:extLst>
+        </p:spPr>
+      </p:pic>
+    </p:spTree>
+    <p:extLst>
+      <p:ext uri="{BB962C8B-B14F-4D97-AF65-F5344CB8AC3E}">
+        <p14:creationId xmlns:p14="http://schemas.microsoft.com/office/powerpoint/2010/main" val="4106435790"/>
+      </p:ext>
+    </p:extLst>
+  </p:cSld>
+  <p:clrMapOvr>
+    <a:masterClrMapping/>
+  </p:clrMapOvr>
+</p:sld>
+</file>
+
+<file path=ppt/slides/slide9.xml><?xml version="1.0" encoding="utf-8"?>
+<p:sld xmlns:a="http://schemas.openxmlformats.org/drawingml/2006/main" xmlns:r="http://schemas.openxmlformats.org/officeDocument/2006/relationships" xmlns:p="http://schemas.openxmlformats.org/presentationml/2006/main">
+  <p:cSld>
+    <p:bg>
+      <p:bgPr>
+        <a:solidFill>
+          <a:schemeClr val="bg1"/>
+        </a:solidFill>
+        <a:effectLst/>
+      </p:bgPr>
+    </p:bg>
+    <p:spTree>
+      <p:nvGrpSpPr>
+        <p:cNvPr id="1" name=""/>
+        <p:cNvGrpSpPr/>
+        <p:nvPr/>
+      </p:nvGrpSpPr>
+      <p:grpSpPr>
+        <a:xfrm>
+          <a:off x="0" y="0"/>
+          <a:ext cx="0" cy="0"/>
+          <a:chOff x="0" y="0"/>
+          <a:chExt cx="0" cy="0"/>
+        </a:xfrm>
+      </p:grpSpPr>
+      <p:sp useBgFill="1">
+        <p:nvSpPr>
+          <p:cNvPr id="9" name="Rectangle 8">
+            <a:extLst>
+              <a:ext uri="{FF2B5EF4-FFF2-40B4-BE49-F238E27FC236}">
+                <a16:creationId xmlns:a16="http://schemas.microsoft.com/office/drawing/2014/main" id="{100EDD19-6802-4EC3-95CE-CFFAB042CFD6}"/>
+              </a:ext>
+              <a:ext uri="{C183D7F6-B498-43B3-948B-1728B52AA6E4}">
+                <adec:decorative xmlns:adec="http://schemas.microsoft.com/office/drawing/2017/decorative" val="1"/>
+              </a:ext>
+            </a:extLst>
+          </p:cNvPr>
+          <p:cNvSpPr>
+            <a:spLocks noGrp="1" noRot="1" noChangeAspect="1" noMove="1" noResize="1" noEditPoints="1" noAdjustHandles="1" noChangeArrowheads="1" noChangeShapeType="1" noTextEdit="1"/>
+          </p:cNvSpPr>
+          <p:nvPr>
+            <p:extLst>
+              <p:ext uri="{386F3935-93C4-4BCD-93E2-E3B085C9AB24}">
+                <p16:designElem xmlns:p16="http://schemas.microsoft.com/office/powerpoint/2015/main" val="1"/>
+              </p:ext>
+            </p:extLst>
+          </p:nvPr>
+        </p:nvSpPr>
+        <p:spPr>
+          <a:xfrm>
+            <a:off x="0" y="0"/>
+            <a:ext cx="12188952" cy="6858000"/>
+          </a:xfrm>
+          <a:prstGeom prst="rect">
+            <a:avLst/>
+          </a:prstGeom>
+          <a:ln>
+            <a:noFill/>
+          </a:ln>
+        </p:spPr>
+        <p:style>
+          <a:lnRef idx="2">
+            <a:schemeClr val="accent1">
+              <a:shade val="50000"/>
+            </a:schemeClr>
+          </a:lnRef>
+          <a:fillRef idx="1">
+            <a:schemeClr val="accent1"/>
+          </a:fillRef>
+          <a:effectRef idx="0">
+            <a:schemeClr val="accent1"/>
+          </a:effectRef>
+          <a:fontRef idx="minor">
+            <a:schemeClr val="lt1"/>
+          </a:fontRef>
+        </p:style>
+        <p:txBody>
+          <a:bodyPr rtlCol="0" anchor="ctr"/>
+          <a:lstStyle/>
+          <a:p>
+            <a:pPr algn="ctr"/>
+            <a:endParaRPr lang="en-US"/>
+          </a:p>
+        </p:txBody>
+      </p:sp>
+      <p:sp>
+        <p:nvSpPr>
+          <p:cNvPr id="2" name="Title 1">
+            <a:extLst>
+              <a:ext uri="{FF2B5EF4-FFF2-40B4-BE49-F238E27FC236}">
+                <a16:creationId xmlns:a16="http://schemas.microsoft.com/office/drawing/2014/main" id="{86F1AE98-EC24-0BDA-DF18-AB87DC178D29}"/>
+              </a:ext>
+            </a:extLst>
+          </p:cNvPr>
+          <p:cNvSpPr>
+            <a:spLocks noGrp="1"/>
+          </p:cNvSpPr>
+          <p:nvPr>
+            <p:ph type="title"/>
+          </p:nvPr>
+        </p:nvSpPr>
+        <p:spPr>
+          <a:xfrm>
+            <a:off x="838200" y="365125"/>
+            <a:ext cx="10515600" cy="1325563"/>
+          </a:xfrm>
+        </p:spPr>
+        <p:txBody>
+          <a:bodyPr>
+            <a:normAutofit/>
+          </a:bodyPr>
+          <a:lstStyle/>
+          <a:p>
+            <a:r>
+              <a:rPr lang="en-IN" sz="5400">
+                <a:latin typeface="Times New Roman" panose="02020603050405020304" pitchFamily="18" charset="0"/>
+                <a:cs typeface="Times New Roman" panose="02020603050405020304" pitchFamily="18" charset="0"/>
+              </a:rPr>
+              <a:t>Challenges and Learnings</a:t>
+            </a:r>
+          </a:p>
+        </p:txBody>
+      </p:sp>
+      <p:sp>
+        <p:nvSpPr>
+          <p:cNvPr id="11" name="sketch line">
+            <a:extLst>
+              <a:ext uri="{FF2B5EF4-FFF2-40B4-BE49-F238E27FC236}">
+                <a16:creationId xmlns:a16="http://schemas.microsoft.com/office/drawing/2014/main" id="{DB17E863-922E-4C26-BD64-E8FD41D28661}"/>
+              </a:ext>
+              <a:ext uri="{C183D7F6-B498-43B3-948B-1728B52AA6E4}">
+                <adec:decorative xmlns:adec="http://schemas.microsoft.com/office/drawing/2017/decorative" val="1"/>
+              </a:ext>
+            </a:extLst>
+          </p:cNvPr>
+          <p:cNvSpPr>
+            <a:spLocks noGrp="1" noRot="1" noChangeAspect="1" noMove="1" noResize="1" noEditPoints="1" noAdjustHandles="1" noChangeArrowheads="1" noChangeShapeType="1" noTextEdit="1"/>
+          </p:cNvSpPr>
+          <p:nvPr>
+            <p:extLst>
+              <p:ext uri="{386F3935-93C4-4BCD-93E2-E3B085C9AB24}">
+                <p16:designElem xmlns:p16="http://schemas.microsoft.com/office/powerpoint/2015/main" val="1"/>
+              </p:ext>
+            </p:extLst>
+          </p:nvPr>
+        </p:nvSpPr>
+        <p:spPr>
+          <a:xfrm>
+            <a:off x="669036" y="1677373"/>
+            <a:ext cx="10853928" cy="18288"/>
+          </a:xfrm>
+          <a:custGeom>
+            <a:avLst/>
+            <a:gdLst>
+              <a:gd name="connsiteX0" fmla="*/ 0 w 10853928"/>
+              <a:gd name="connsiteY0" fmla="*/ 0 h 18288"/>
+              <a:gd name="connsiteX1" fmla="*/ 461292 w 10853928"/>
+              <a:gd name="connsiteY1" fmla="*/ 0 h 18288"/>
+              <a:gd name="connsiteX2" fmla="*/ 1139662 w 10853928"/>
+              <a:gd name="connsiteY2" fmla="*/ 0 h 18288"/>
+              <a:gd name="connsiteX3" fmla="*/ 1926572 w 10853928"/>
+              <a:gd name="connsiteY3" fmla="*/ 0 h 18288"/>
+              <a:gd name="connsiteX4" fmla="*/ 2279325 w 10853928"/>
+              <a:gd name="connsiteY4" fmla="*/ 0 h 18288"/>
+              <a:gd name="connsiteX5" fmla="*/ 2632078 w 10853928"/>
+              <a:gd name="connsiteY5" fmla="*/ 0 h 18288"/>
+              <a:gd name="connsiteX6" fmla="*/ 3527527 w 10853928"/>
+              <a:gd name="connsiteY6" fmla="*/ 0 h 18288"/>
+              <a:gd name="connsiteX7" fmla="*/ 4205897 w 10853928"/>
+              <a:gd name="connsiteY7" fmla="*/ 0 h 18288"/>
+              <a:gd name="connsiteX8" fmla="*/ 4558650 w 10853928"/>
+              <a:gd name="connsiteY8" fmla="*/ 0 h 18288"/>
+              <a:gd name="connsiteX9" fmla="*/ 5237020 w 10853928"/>
+              <a:gd name="connsiteY9" fmla="*/ 0 h 18288"/>
+              <a:gd name="connsiteX10" fmla="*/ 6132469 w 10853928"/>
+              <a:gd name="connsiteY10" fmla="*/ 0 h 18288"/>
+              <a:gd name="connsiteX11" fmla="*/ 6702301 w 10853928"/>
+              <a:gd name="connsiteY11" fmla="*/ 0 h 18288"/>
+              <a:gd name="connsiteX12" fmla="*/ 7272132 w 10853928"/>
+              <a:gd name="connsiteY12" fmla="*/ 0 h 18288"/>
+              <a:gd name="connsiteX13" fmla="*/ 7950502 w 10853928"/>
+              <a:gd name="connsiteY13" fmla="*/ 0 h 18288"/>
+              <a:gd name="connsiteX14" fmla="*/ 8737412 w 10853928"/>
+              <a:gd name="connsiteY14" fmla="*/ 0 h 18288"/>
+              <a:gd name="connsiteX15" fmla="*/ 9524322 w 10853928"/>
+              <a:gd name="connsiteY15" fmla="*/ 0 h 18288"/>
+              <a:gd name="connsiteX16" fmla="*/ 10853928 w 10853928"/>
+              <a:gd name="connsiteY16" fmla="*/ 0 h 18288"/>
+              <a:gd name="connsiteX17" fmla="*/ 10853928 w 10853928"/>
+              <a:gd name="connsiteY17" fmla="*/ 18288 h 18288"/>
+              <a:gd name="connsiteX18" fmla="*/ 10392636 w 10853928"/>
+              <a:gd name="connsiteY18" fmla="*/ 18288 h 18288"/>
+              <a:gd name="connsiteX19" fmla="*/ 9497187 w 10853928"/>
+              <a:gd name="connsiteY19" fmla="*/ 18288 h 18288"/>
+              <a:gd name="connsiteX20" fmla="*/ 8818817 w 10853928"/>
+              <a:gd name="connsiteY20" fmla="*/ 18288 h 18288"/>
+              <a:gd name="connsiteX21" fmla="*/ 8466064 w 10853928"/>
+              <a:gd name="connsiteY21" fmla="*/ 18288 h 18288"/>
+              <a:gd name="connsiteX22" fmla="*/ 7787693 w 10853928"/>
+              <a:gd name="connsiteY22" fmla="*/ 18288 h 18288"/>
+              <a:gd name="connsiteX23" fmla="*/ 7217862 w 10853928"/>
+              <a:gd name="connsiteY23" fmla="*/ 18288 h 18288"/>
+              <a:gd name="connsiteX24" fmla="*/ 6648031 w 10853928"/>
+              <a:gd name="connsiteY24" fmla="*/ 18288 h 18288"/>
+              <a:gd name="connsiteX25" fmla="*/ 6078200 w 10853928"/>
+              <a:gd name="connsiteY25" fmla="*/ 18288 h 18288"/>
+              <a:gd name="connsiteX26" fmla="*/ 5508368 w 10853928"/>
+              <a:gd name="connsiteY26" fmla="*/ 18288 h 18288"/>
+              <a:gd name="connsiteX27" fmla="*/ 4721459 w 10853928"/>
+              <a:gd name="connsiteY27" fmla="*/ 18288 h 18288"/>
+              <a:gd name="connsiteX28" fmla="*/ 4043088 w 10853928"/>
+              <a:gd name="connsiteY28" fmla="*/ 18288 h 18288"/>
+              <a:gd name="connsiteX29" fmla="*/ 3690336 w 10853928"/>
+              <a:gd name="connsiteY29" fmla="*/ 18288 h 18288"/>
+              <a:gd name="connsiteX30" fmla="*/ 3120504 w 10853928"/>
+              <a:gd name="connsiteY30" fmla="*/ 18288 h 18288"/>
+              <a:gd name="connsiteX31" fmla="*/ 2333595 w 10853928"/>
+              <a:gd name="connsiteY31" fmla="*/ 18288 h 18288"/>
+              <a:gd name="connsiteX32" fmla="*/ 1872303 w 10853928"/>
+              <a:gd name="connsiteY32" fmla="*/ 18288 h 18288"/>
+              <a:gd name="connsiteX33" fmla="*/ 976854 w 10853928"/>
+              <a:gd name="connsiteY33" fmla="*/ 18288 h 18288"/>
+              <a:gd name="connsiteX34" fmla="*/ 0 w 10853928"/>
+              <a:gd name="connsiteY34" fmla="*/ 18288 h 18288"/>
+              <a:gd name="connsiteX35" fmla="*/ 0 w 10853928"/>
+              <a:gd name="connsiteY35" fmla="*/ 0 h 18288"/>
+            </a:gdLst>
+            <a:ahLst/>
+            <a:cxnLst>
+              <a:cxn ang="0">
+                <a:pos x="connsiteX0" y="connsiteY0"/>
+              </a:cxn>
+              <a:cxn ang="0">
+                <a:pos x="connsiteX1" y="connsiteY1"/>
+              </a:cxn>
+              <a:cxn ang="0">
+                <a:pos x="connsiteX2" y="connsiteY2"/>
+              </a:cxn>
+              <a:cxn ang="0">
+                <a:pos x="connsiteX3" y="connsiteY3"/>
+              </a:cxn>
+              <a:cxn ang="0">
+                <a:pos x="connsiteX4" y="connsiteY4"/>
+              </a:cxn>
+              <a:cxn ang="0">
+                <a:pos x="connsiteX5" y="connsiteY5"/>
+              </a:cxn>
+              <a:cxn ang="0">
+                <a:pos x="connsiteX6" y="connsiteY6"/>
+              </a:cxn>
+              <a:cxn ang="0">
+                <a:pos x="connsiteX7" y="connsiteY7"/>
+              </a:cxn>
+              <a:cxn ang="0">
+                <a:pos x="connsiteX8" y="connsiteY8"/>
+              </a:cxn>
+              <a:cxn ang="0">
+                <a:pos x="connsiteX9" y="connsiteY9"/>
+              </a:cxn>
+              <a:cxn ang="0">
+                <a:pos x="connsiteX10" y="connsiteY10"/>
+              </a:cxn>
+              <a:cxn ang="0">
+                <a:pos x="connsiteX11" y="connsiteY11"/>
+              </a:cxn>
+              <a:cxn ang="0">
+                <a:pos x="connsiteX12" y="connsiteY12"/>
+              </a:cxn>
+              <a:cxn ang="0">
+                <a:pos x="connsiteX13" y="connsiteY13"/>
+              </a:cxn>
+              <a:cxn ang="0">
+                <a:pos x="connsiteX14" y="connsiteY14"/>
+              </a:cxn>
+              <a:cxn ang="0">
+                <a:pos x="connsiteX15" y="connsiteY15"/>
+              </a:cxn>
+              <a:cxn ang="0">
+                <a:pos x="connsiteX16" y="connsiteY16"/>
+              </a:cxn>
+              <a:cxn ang="0">
+                <a:pos x="connsiteX17" y="connsiteY17"/>
+              </a:cxn>
+              <a:cxn ang="0">
+                <a:pos x="connsiteX18" y="connsiteY18"/>
+              </a:cxn>
+              <a:cxn ang="0">
+                <a:pos x="connsiteX19" y="connsiteY19"/>
+              </a:cxn>
+              <a:cxn ang="0">
+                <a:pos x="connsiteX20" y="connsiteY20"/>
+              </a:cxn>
+              <a:cxn ang="0">
+                <a:pos x="connsiteX21" y="connsiteY21"/>
+              </a:cxn>
+              <a:cxn ang="0">
+                <a:pos x="connsiteX22" y="connsiteY22"/>
+              </a:cxn>
+              <a:cxn ang="0">
+                <a:pos x="connsiteX23" y="connsiteY23"/>
+              </a:cxn>
+              <a:cxn ang="0">
+                <a:pos x="connsiteX24" y="connsiteY24"/>
+              </a:cxn>
+              <a:cxn ang="0">
+                <a:pos x="connsiteX25" y="connsiteY25"/>
+              </a:cxn>
+              <a:cxn ang="0">
+                <a:pos x="connsiteX26" y="connsiteY26"/>
+              </a:cxn>
+              <a:cxn ang="0">
+                <a:pos x="connsiteX27" y="connsiteY27"/>
+              </a:cxn>
+              <a:cxn ang="0">
+                <a:pos x="connsiteX28" y="connsiteY28"/>
+              </a:cxn>
+              <a:cxn ang="0">
+                <a:pos x="connsiteX29" y="connsiteY29"/>
+              </a:cxn>
+              <a:cxn ang="0">
+                <a:pos x="connsiteX30" y="connsiteY30"/>
+              </a:cxn>
+              <a:cxn ang="0">
+                <a:pos x="connsiteX31" y="connsiteY31"/>
+              </a:cxn>
+              <a:cxn ang="0">
+                <a:pos x="connsiteX32" y="connsiteY32"/>
+              </a:cxn>
+              <a:cxn ang="0">
+                <a:pos x="connsiteX33" y="connsiteY33"/>
+              </a:cxn>
+              <a:cxn ang="0">
+                <a:pos x="connsiteX34" y="connsiteY34"/>
+              </a:cxn>
+              <a:cxn ang="0">
+                <a:pos x="connsiteX35" y="connsiteY35"/>
+              </a:cxn>
+            </a:cxnLst>
+            <a:rect l="l" t="t" r="r" b="b"/>
+            <a:pathLst>
+              <a:path w="10853928" h="18288" fill="none" extrusionOk="0">
+                <a:moveTo>
+                  <a:pt x="0" y="0"/>
+                </a:moveTo>
+                <a:cubicBezTo>
+                  <a:pt x="146993" y="-19076"/>
+                  <a:pt x="347684" y="-4790"/>
+                  <a:pt x="461292" y="0"/>
+                </a:cubicBezTo>
+                <a:cubicBezTo>
+                  <a:pt x="574900" y="4790"/>
+                  <a:pt x="808367" y="19821"/>
+                  <a:pt x="1139662" y="0"/>
+                </a:cubicBezTo>
+                <a:cubicBezTo>
+                  <a:pt x="1470957" y="-19821"/>
+                  <a:pt x="1627405" y="5721"/>
+                  <a:pt x="1926572" y="0"/>
+                </a:cubicBezTo>
+                <a:cubicBezTo>
+                  <a:pt x="2225739" y="-5721"/>
+                  <a:pt x="2137730" y="-3235"/>
+                  <a:pt x="2279325" y="0"/>
+                </a:cubicBezTo>
+                <a:cubicBezTo>
+                  <a:pt x="2420920" y="3235"/>
+                  <a:pt x="2456518" y="9685"/>
+                  <a:pt x="2632078" y="0"/>
+                </a:cubicBezTo>
+                <a:cubicBezTo>
+                  <a:pt x="2807638" y="-9685"/>
+                  <a:pt x="3211516" y="-43007"/>
+                  <a:pt x="3527527" y="0"/>
+                </a:cubicBezTo>
+                <a:cubicBezTo>
+                  <a:pt x="3843538" y="43007"/>
+                  <a:pt x="4058833" y="22042"/>
+                  <a:pt x="4205897" y="0"/>
+                </a:cubicBezTo>
+                <a:cubicBezTo>
+                  <a:pt x="4352961" y="-22042"/>
+                  <a:pt x="4474805" y="-11846"/>
+                  <a:pt x="4558650" y="0"/>
+                </a:cubicBezTo>
+                <a:cubicBezTo>
+                  <a:pt x="4642495" y="11846"/>
+                  <a:pt x="5041928" y="-6069"/>
+                  <a:pt x="5237020" y="0"/>
+                </a:cubicBezTo>
+                <a:cubicBezTo>
+                  <a:pt x="5432112" y="6069"/>
+                  <a:pt x="5943266" y="-17479"/>
+                  <a:pt x="6132469" y="0"/>
+                </a:cubicBezTo>
+                <a:cubicBezTo>
+                  <a:pt x="6321672" y="17479"/>
+                  <a:pt x="6483872" y="26234"/>
+                  <a:pt x="6702301" y="0"/>
+                </a:cubicBezTo>
+                <a:cubicBezTo>
+                  <a:pt x="6920730" y="-26234"/>
+                  <a:pt x="6991194" y="-15156"/>
+                  <a:pt x="7272132" y="0"/>
+                </a:cubicBezTo>
+                <a:cubicBezTo>
+                  <a:pt x="7553070" y="15156"/>
+                  <a:pt x="7684444" y="-32961"/>
+                  <a:pt x="7950502" y="0"/>
+                </a:cubicBezTo>
+                <a:cubicBezTo>
+                  <a:pt x="8216560" y="32961"/>
+                  <a:pt x="8493290" y="-10491"/>
+                  <a:pt x="8737412" y="0"/>
+                </a:cubicBezTo>
+                <a:cubicBezTo>
+                  <a:pt x="8981534" y="10491"/>
+                  <a:pt x="9191586" y="-13899"/>
+                  <a:pt x="9524322" y="0"/>
+                </a:cubicBezTo>
+                <a:cubicBezTo>
+                  <a:pt x="9857058" y="13899"/>
+                  <a:pt x="10297509" y="7485"/>
+                  <a:pt x="10853928" y="0"/>
+                </a:cubicBezTo>
+                <a:cubicBezTo>
+                  <a:pt x="10854574" y="4451"/>
+                  <a:pt x="10854418" y="9226"/>
+                  <a:pt x="10853928" y="18288"/>
+                </a:cubicBezTo>
+                <a:cubicBezTo>
+                  <a:pt x="10691638" y="28522"/>
+                  <a:pt x="10574319" y="29578"/>
+                  <a:pt x="10392636" y="18288"/>
+                </a:cubicBezTo>
+                <a:cubicBezTo>
+                  <a:pt x="10210953" y="6998"/>
+                  <a:pt x="9836277" y="-16742"/>
+                  <a:pt x="9497187" y="18288"/>
+                </a:cubicBezTo>
+                <a:cubicBezTo>
+                  <a:pt x="9158097" y="53318"/>
+                  <a:pt x="9119479" y="30714"/>
+                  <a:pt x="8818817" y="18288"/>
+                </a:cubicBezTo>
+                <a:cubicBezTo>
+                  <a:pt x="8518155" y="5863"/>
+                  <a:pt x="8640037" y="6483"/>
+                  <a:pt x="8466064" y="18288"/>
+                </a:cubicBezTo>
+                <a:cubicBezTo>
+                  <a:pt x="8292091" y="30093"/>
+                  <a:pt x="7997656" y="18914"/>
+                  <a:pt x="7787693" y="18288"/>
+                </a:cubicBezTo>
+                <a:cubicBezTo>
+                  <a:pt x="7577730" y="17662"/>
+                  <a:pt x="7412468" y="21416"/>
+                  <a:pt x="7217862" y="18288"/>
+                </a:cubicBezTo>
+                <a:cubicBezTo>
+                  <a:pt x="7023256" y="15160"/>
+                  <a:pt x="6898018" y="14824"/>
+                  <a:pt x="6648031" y="18288"/>
+                </a:cubicBezTo>
+                <a:cubicBezTo>
+                  <a:pt x="6398044" y="21752"/>
+                  <a:pt x="6254402" y="38625"/>
+                  <a:pt x="6078200" y="18288"/>
+                </a:cubicBezTo>
+                <a:cubicBezTo>
+                  <a:pt x="5901998" y="-2049"/>
+                  <a:pt x="5622886" y="3213"/>
+                  <a:pt x="5508368" y="18288"/>
+                </a:cubicBezTo>
+                <a:cubicBezTo>
+                  <a:pt x="5393850" y="33363"/>
+                  <a:pt x="5036260" y="26830"/>
+                  <a:pt x="4721459" y="18288"/>
+                </a:cubicBezTo>
+                <a:cubicBezTo>
+                  <a:pt x="4406658" y="9746"/>
+                  <a:pt x="4239221" y="41551"/>
+                  <a:pt x="4043088" y="18288"/>
+                </a:cubicBezTo>
+                <a:cubicBezTo>
+                  <a:pt x="3846955" y="-4975"/>
+                  <a:pt x="3818802" y="34658"/>
+                  <a:pt x="3690336" y="18288"/>
+                </a:cubicBezTo>
+                <a:cubicBezTo>
+                  <a:pt x="3561870" y="1918"/>
+                  <a:pt x="3265491" y="42194"/>
+                  <a:pt x="3120504" y="18288"/>
+                </a:cubicBezTo>
+                <a:cubicBezTo>
+                  <a:pt x="2975517" y="-5618"/>
+                  <a:pt x="2720254" y="36673"/>
+                  <a:pt x="2333595" y="18288"/>
+                </a:cubicBezTo>
+                <a:cubicBezTo>
+                  <a:pt x="1946936" y="-97"/>
+                  <a:pt x="2097241" y="5776"/>
+                  <a:pt x="1872303" y="18288"/>
+                </a:cubicBezTo>
+                <a:cubicBezTo>
+                  <a:pt x="1647365" y="30800"/>
+                  <a:pt x="1282708" y="45380"/>
+                  <a:pt x="976854" y="18288"/>
+                </a:cubicBezTo>
+                <a:cubicBezTo>
+                  <a:pt x="671000" y="-8804"/>
+                  <a:pt x="408401" y="-12775"/>
+                  <a:pt x="0" y="18288"/>
+                </a:cubicBezTo>
+                <a:cubicBezTo>
+                  <a:pt x="-213" y="9468"/>
+                  <a:pt x="187" y="4459"/>
+                  <a:pt x="0" y="0"/>
+                </a:cubicBezTo>
+                <a:close/>
+              </a:path>
+              <a:path w="10853928" h="18288" stroke="0" extrusionOk="0">
+                <a:moveTo>
+                  <a:pt x="0" y="0"/>
+                </a:moveTo>
+                <a:cubicBezTo>
+                  <a:pt x="267322" y="15284"/>
+                  <a:pt x="415388" y="-21048"/>
+                  <a:pt x="569831" y="0"/>
+                </a:cubicBezTo>
+                <a:cubicBezTo>
+                  <a:pt x="724274" y="21048"/>
+                  <a:pt x="769333" y="-2353"/>
+                  <a:pt x="922584" y="0"/>
+                </a:cubicBezTo>
+                <a:cubicBezTo>
+                  <a:pt x="1075835" y="2353"/>
+                  <a:pt x="1399490" y="-145"/>
+                  <a:pt x="1818033" y="0"/>
+                </a:cubicBezTo>
+                <a:cubicBezTo>
+                  <a:pt x="2236576" y="145"/>
+                  <a:pt x="2145330" y="5482"/>
+                  <a:pt x="2387864" y="0"/>
+                </a:cubicBezTo>
+                <a:cubicBezTo>
+                  <a:pt x="2630398" y="-5482"/>
+                  <a:pt x="2793207" y="18487"/>
+                  <a:pt x="2957695" y="0"/>
+                </a:cubicBezTo>
+                <a:cubicBezTo>
+                  <a:pt x="3122183" y="-18487"/>
+                  <a:pt x="3579141" y="19003"/>
+                  <a:pt x="3853144" y="0"/>
+                </a:cubicBezTo>
+                <a:cubicBezTo>
+                  <a:pt x="4127147" y="-19003"/>
+                  <a:pt x="4209857" y="12211"/>
+                  <a:pt x="4314436" y="0"/>
+                </a:cubicBezTo>
+                <a:cubicBezTo>
+                  <a:pt x="4419015" y="-12211"/>
+                  <a:pt x="4762459" y="-17220"/>
+                  <a:pt x="5209885" y="0"/>
+                </a:cubicBezTo>
+                <a:cubicBezTo>
+                  <a:pt x="5657311" y="17220"/>
+                  <a:pt x="5692663" y="-3290"/>
+                  <a:pt x="6105335" y="0"/>
+                </a:cubicBezTo>
+                <a:cubicBezTo>
+                  <a:pt x="6518007" y="3290"/>
+                  <a:pt x="6455516" y="-5124"/>
+                  <a:pt x="6783705" y="0"/>
+                </a:cubicBezTo>
+                <a:cubicBezTo>
+                  <a:pt x="7111894" y="5124"/>
+                  <a:pt x="7441941" y="-17829"/>
+                  <a:pt x="7679154" y="0"/>
+                </a:cubicBezTo>
+                <a:cubicBezTo>
+                  <a:pt x="7916367" y="17829"/>
+                  <a:pt x="8102967" y="-24363"/>
+                  <a:pt x="8248985" y="0"/>
+                </a:cubicBezTo>
+                <a:cubicBezTo>
+                  <a:pt x="8395003" y="24363"/>
+                  <a:pt x="8552393" y="25505"/>
+                  <a:pt x="8818817" y="0"/>
+                </a:cubicBezTo>
+                <a:cubicBezTo>
+                  <a:pt x="9085241" y="-25505"/>
+                  <a:pt x="9411308" y="38000"/>
+                  <a:pt x="9605726" y="0"/>
+                </a:cubicBezTo>
+                <a:cubicBezTo>
+                  <a:pt x="9800144" y="-38000"/>
+                  <a:pt x="10006468" y="-25741"/>
+                  <a:pt x="10175558" y="0"/>
+                </a:cubicBezTo>
+                <a:cubicBezTo>
+                  <a:pt x="10344648" y="25741"/>
+                  <a:pt x="10696282" y="695"/>
+                  <a:pt x="10853928" y="0"/>
+                </a:cubicBezTo>
+                <a:cubicBezTo>
+                  <a:pt x="10853521" y="8690"/>
+                  <a:pt x="10853774" y="14141"/>
+                  <a:pt x="10853928" y="18288"/>
+                </a:cubicBezTo>
+                <a:cubicBezTo>
+                  <a:pt x="10608124" y="24255"/>
+                  <a:pt x="10343415" y="22307"/>
+                  <a:pt x="10067018" y="18288"/>
+                </a:cubicBezTo>
+                <a:cubicBezTo>
+                  <a:pt x="9790621" y="14270"/>
+                  <a:pt x="9843266" y="3564"/>
+                  <a:pt x="9714266" y="18288"/>
+                </a:cubicBezTo>
+                <a:cubicBezTo>
+                  <a:pt x="9585266" y="33012"/>
+                  <a:pt x="9379484" y="1875"/>
+                  <a:pt x="9252974" y="18288"/>
+                </a:cubicBezTo>
+                <a:cubicBezTo>
+                  <a:pt x="9126464" y="34701"/>
+                  <a:pt x="8580678" y="-4904"/>
+                  <a:pt x="8357525" y="18288"/>
+                </a:cubicBezTo>
+                <a:cubicBezTo>
+                  <a:pt x="8134372" y="41480"/>
+                  <a:pt x="7903199" y="26458"/>
+                  <a:pt x="7679154" y="18288"/>
+                </a:cubicBezTo>
+                <a:cubicBezTo>
+                  <a:pt x="7455109" y="10118"/>
+                  <a:pt x="7435944" y="27109"/>
+                  <a:pt x="7217862" y="18288"/>
+                </a:cubicBezTo>
+                <a:cubicBezTo>
+                  <a:pt x="6999780" y="9467"/>
+                  <a:pt x="6680409" y="18985"/>
+                  <a:pt x="6539492" y="18288"/>
+                </a:cubicBezTo>
+                <a:cubicBezTo>
+                  <a:pt x="6398575" y="17592"/>
+                  <a:pt x="6312077" y="33018"/>
+                  <a:pt x="6186739" y="18288"/>
+                </a:cubicBezTo>
+                <a:cubicBezTo>
+                  <a:pt x="6061401" y="3558"/>
+                  <a:pt x="5947033" y="12075"/>
+                  <a:pt x="5833986" y="18288"/>
+                </a:cubicBezTo>
+                <a:cubicBezTo>
+                  <a:pt x="5720939" y="24501"/>
+                  <a:pt x="5482226" y="8586"/>
+                  <a:pt x="5155616" y="18288"/>
+                </a:cubicBezTo>
+                <a:cubicBezTo>
+                  <a:pt x="4829006" y="27991"/>
+                  <a:pt x="4841274" y="29316"/>
+                  <a:pt x="4694324" y="18288"/>
+                </a:cubicBezTo>
+                <a:cubicBezTo>
+                  <a:pt x="4547374" y="7260"/>
+                  <a:pt x="4077675" y="7013"/>
+                  <a:pt x="3907414" y="18288"/>
+                </a:cubicBezTo>
+                <a:cubicBezTo>
+                  <a:pt x="3737153" y="29564"/>
+                  <a:pt x="3538393" y="21630"/>
+                  <a:pt x="3446122" y="18288"/>
+                </a:cubicBezTo>
+                <a:cubicBezTo>
+                  <a:pt x="3353851" y="14946"/>
+                  <a:pt x="2990320" y="-8091"/>
+                  <a:pt x="2659212" y="18288"/>
+                </a:cubicBezTo>
+                <a:cubicBezTo>
+                  <a:pt x="2328104" y="44667"/>
+                  <a:pt x="2427653" y="9607"/>
+                  <a:pt x="2306460" y="18288"/>
+                </a:cubicBezTo>
+                <a:cubicBezTo>
+                  <a:pt x="2185267" y="26969"/>
+                  <a:pt x="1719763" y="3717"/>
+                  <a:pt x="1519550" y="18288"/>
+                </a:cubicBezTo>
+                <a:cubicBezTo>
+                  <a:pt x="1319337" y="32860"/>
+                  <a:pt x="1167371" y="17040"/>
+                  <a:pt x="1058258" y="18288"/>
+                </a:cubicBezTo>
+                <a:cubicBezTo>
+                  <a:pt x="949145" y="19536"/>
+                  <a:pt x="780234" y="31447"/>
+                  <a:pt x="705505" y="18288"/>
+                </a:cubicBezTo>
+                <a:cubicBezTo>
+                  <a:pt x="630776" y="5129"/>
+                  <a:pt x="215796" y="30056"/>
+                  <a:pt x="0" y="18288"/>
+                </a:cubicBezTo>
+                <a:cubicBezTo>
+                  <a:pt x="-53" y="11301"/>
+                  <a:pt x="-649" y="7756"/>
+                  <a:pt x="0" y="0"/>
+                </a:cubicBezTo>
+                <a:close/>
+              </a:path>
+            </a:pathLst>
+          </a:custGeom>
+          <a:solidFill>
+            <a:schemeClr val="accent2"/>
+          </a:solidFill>
+          <a:ln w="41275" cap="rnd">
+            <a:solidFill>
+              <a:schemeClr val="accent2"/>
+            </a:solidFill>
+            <a:round/>
+            <a:extLst>
+              <a:ext uri="{C807C97D-BFC1-408E-A445-0C87EB9F89A2}">
+                <ask:lineSketchStyleProps xmlns:ask="http://schemas.microsoft.com/office/drawing/2018/sketchyshapes" sd="1219033472">
+                  <a:prstGeom prst="rect">
+                    <a:avLst/>
+                  </a:prstGeom>
+                  <ask:type>
+                    <ask:lineSketchFreehand/>
+                  </ask:type>
+                </ask:lineSketchStyleProps>
+              </a:ext>
+            </a:extLst>
+          </a:ln>
+        </p:spPr>
+        <p:style>
+          <a:lnRef idx="2">
+            <a:schemeClr val="accent1">
+              <a:shade val="50000"/>
+            </a:schemeClr>
+          </a:lnRef>
+          <a:fillRef idx="1">
+            <a:schemeClr val="accent1"/>
+          </a:fillRef>
+          <a:effectRef idx="0">
+            <a:schemeClr val="accent1"/>
+          </a:effectRef>
+          <a:fontRef idx="minor">
+            <a:schemeClr val="lt1"/>
+          </a:fontRef>
+        </p:style>
+        <p:txBody>
+          <a:bodyPr rtlCol="0" anchor="ctr"/>
+          <a:lstStyle/>
+          <a:p>
+            <a:pPr algn="ctr"/>
+            <a:endParaRPr lang="en-US"/>
+          </a:p>
+        </p:txBody>
+      </p:sp>
       <p:sp>
         <p:nvSpPr>
           <p:cNvPr id="4" name="Rectangle 1">
             <a:extLst>
               <a:ext uri="{FF2B5EF4-FFF2-40B4-BE49-F238E27FC236}">
-                <a16:creationId xmlns:a16="http://schemas.microsoft.com/office/drawing/2014/main" id="{26775ED7-7F1F-DEB9-CFE7-E9EC4D751233}"/>
+                <a16:creationId xmlns:a16="http://schemas.microsoft.com/office/drawing/2014/main" id="{41D7BB7A-DEB0-18F3-75B8-09555DE80C8A}"/>
               </a:ext>
             </a:extLst>
           </p:cNvPr>
@@ -11597,11 +12491,8 @@
               <a:tabLst/>
             </a:pPr>
             <a:r>
-              <a:rPr lang="en-US" altLang="en-US" sz="2200">
-                <a:latin typeface="Times New Roman" panose="02020603050405020304" pitchFamily="18" charset="0"/>
-                <a:cs typeface="Times New Roman" panose="02020603050405020304" pitchFamily="18" charset="0"/>
-              </a:rPr>
-              <a:t>Summary of Findings:</a:t>
+              <a:rPr lang="en-US" altLang="en-US" sz="2200"/>
+              <a:t>Data Limitations:</a:t>
             </a:r>
           </a:p>
           <a:p>
@@ -11614,11 +12505,8 @@
               </a:spcAft>
             </a:pPr>
             <a:r>
-              <a:rPr lang="en-US" altLang="en-US" sz="2200">
-                <a:latin typeface="Times New Roman" panose="02020603050405020304" pitchFamily="18" charset="0"/>
-                <a:cs typeface="Times New Roman" panose="02020603050405020304" pitchFamily="18" charset="0"/>
-              </a:rPr>
-              <a:t>Identified key procurement trends and supplier performance insights.</a:t>
+              <a:rPr lang="en-US" altLang="en-US" sz="2200"/>
+              <a:t>Missing or incomplete data fields</a:t>
             </a:r>
           </a:p>
           <a:p>
@@ -11631,28 +12519,8 @@
               </a:spcAft>
             </a:pPr>
             <a:r>
-              <a:rPr lang="en-US" altLang="en-US" sz="2200">
-                <a:latin typeface="Times New Roman" panose="02020603050405020304" pitchFamily="18" charset="0"/>
-                <a:cs typeface="Times New Roman" panose="02020603050405020304" pitchFamily="18" charset="0"/>
-              </a:rPr>
-              <a:t>The dashboard provides an efficient way for stakeholders to analyze and </a:t>
-            </a:r>
-          </a:p>
-          <a:p>
-            <a:pPr eaLnBrk="0" fontAlgn="base" hangingPunct="0">
-              <a:spcBef>
-                <a:spcPct val="0"/>
-              </a:spcBef>
-              <a:spcAft>
-                <a:spcPts val="600"/>
-              </a:spcAft>
-            </a:pPr>
-            <a:r>
-              <a:rPr lang="en-US" altLang="en-US" sz="2200">
-                <a:latin typeface="Times New Roman" panose="02020603050405020304" pitchFamily="18" charset="0"/>
-                <a:cs typeface="Times New Roman" panose="02020603050405020304" pitchFamily="18" charset="0"/>
-              </a:rPr>
-              <a:t>optimize procurement strategies.</a:t>
+              <a:rPr lang="en-US" altLang="en-US" sz="2200"/>
+              <a:t>Data biases in supplier selection or procurement allocation</a:t>
             </a:r>
           </a:p>
           <a:p>
@@ -11668,10 +12536,7 @@
               <a:buNone/>
               <a:tabLst/>
             </a:pPr>
-            <a:endParaRPr lang="en-US" altLang="en-US" sz="2200">
-              <a:latin typeface="Times New Roman" panose="02020603050405020304" pitchFamily="18" charset="0"/>
-              <a:cs typeface="Times New Roman" panose="02020603050405020304" pitchFamily="18" charset="0"/>
-            </a:endParaRPr>
+            <a:endParaRPr lang="en-US" altLang="en-US" sz="2200"/>
           </a:p>
           <a:p>
             <a:pPr marL="0" marR="0" lvl="0" indent="0" defTabSz="914400" rtl="0" eaLnBrk="0" fontAlgn="base" latinLnBrk="0" hangingPunct="0">
@@ -11687,11 +12552,8 @@
               <a:tabLst/>
             </a:pPr>
             <a:r>
-              <a:rPr lang="en-US" altLang="en-US" sz="2200">
-                <a:latin typeface="Times New Roman" panose="02020603050405020304" pitchFamily="18" charset="0"/>
-                <a:cs typeface="Times New Roman" panose="02020603050405020304" pitchFamily="18" charset="0"/>
-              </a:rPr>
-              <a:t>Next Steps:</a:t>
+              <a:rPr lang="en-US" altLang="en-US" sz="2200"/>
+              <a:t>Lessons Learned:</a:t>
             </a:r>
           </a:p>
           <a:p>
@@ -11704,11 +12566,8 @@
               </a:spcAft>
             </a:pPr>
             <a:r>
-              <a:rPr lang="en-US" altLang="en-US" sz="2200">
-                <a:latin typeface="Times New Roman" panose="02020603050405020304" pitchFamily="18" charset="0"/>
-                <a:cs typeface="Times New Roman" panose="02020603050405020304" pitchFamily="18" charset="0"/>
-              </a:rPr>
-              <a:t>Possible process improvements based on insights gained.</a:t>
+              <a:rPr lang="en-US" altLang="en-US" sz="2200"/>
+              <a:t>Importance of clean and standardized data for accurate analysis</a:t>
             </a:r>
           </a:p>
           <a:p>
@@ -11721,43 +12580,30 @@
               </a:spcAft>
             </a:pPr>
             <a:r>
-              <a:rPr lang="en-US" altLang="en-US" sz="2200">
-                <a:latin typeface="Times New Roman" panose="02020603050405020304" pitchFamily="18" charset="0"/>
-                <a:cs typeface="Times New Roman" panose="02020603050405020304" pitchFamily="18" charset="0"/>
-              </a:rPr>
-              <a:t>Further exploration of international procurement data or integration with </a:t>
-            </a:r>
-          </a:p>
-          <a:p>
-            <a:pPr eaLnBrk="0" fontAlgn="base" hangingPunct="0">
+              <a:rPr lang="en-US" altLang="en-US" sz="2200"/>
+              <a:t>Value of interactive dashboards in decision-making processes</a:t>
+            </a:r>
+          </a:p>
+          <a:p>
+            <a:pPr marL="0" marR="0" lvl="0" indent="0" defTabSz="914400" rtl="0" eaLnBrk="0" fontAlgn="base" latinLnBrk="0" hangingPunct="0">
               <a:spcBef>
                 <a:spcPct val="0"/>
               </a:spcBef>
               <a:spcAft>
                 <a:spcPts val="600"/>
               </a:spcAft>
+              <a:buClrTx/>
+              <a:buSzTx/>
+              <a:buFontTx/>
+              <a:buNone/>
+              <a:tabLst/>
             </a:pPr>
-            <a:r>
-              <a:rPr lang="en-US" altLang="en-US" sz="2200">
-                <a:latin typeface="Times New Roman" panose="02020603050405020304" pitchFamily="18" charset="0"/>
-                <a:cs typeface="Times New Roman" panose="02020603050405020304" pitchFamily="18" charset="0"/>
-              </a:rPr>
-              <a:t>other datasets for enhanced analysis.</a:t>
-            </a:r>
-          </a:p>
-          <a:p>
-            <a:pPr marL="0" indent="0" eaLnBrk="0" fontAlgn="base" hangingPunct="0">
-              <a:spcBef>
-                <a:spcPct val="0"/>
-              </a:spcBef>
-              <a:spcAft>
-                <a:spcPts val="600"/>
-              </a:spcAft>
-              <a:buNone/>
-            </a:pPr>
-            <a:endParaRPr lang="en-US" altLang="en-US" sz="2200">
-              <a:latin typeface="Times New Roman" panose="02020603050405020304" pitchFamily="18" charset="0"/>
-              <a:cs typeface="Times New Roman" panose="02020603050405020304" pitchFamily="18" charset="0"/>
+            <a:endParaRPr kumimoji="0" lang="en-US" altLang="en-US" sz="2200" b="0" i="0" u="none" strike="noStrike" cap="none" normalizeH="0" baseline="0">
+              <a:ln>
+                <a:noFill/>
+              </a:ln>
+              <a:effectLst/>
+              <a:latin typeface="Arial" panose="020B0604020202020204" pitchFamily="34" charset="0"/>
             </a:endParaRPr>
           </a:p>
         </p:txBody>
@@ -11765,7 +12611,7 @@
     </p:spTree>
     <p:extLst>
       <p:ext uri="{BB962C8B-B14F-4D97-AF65-F5344CB8AC3E}">
-        <p14:creationId xmlns:p14="http://schemas.microsoft.com/office/powerpoint/2010/main" val="1425548500"/>
+        <p14:creationId xmlns:p14="http://schemas.microsoft.com/office/powerpoint/2010/main" val="1668384369"/>
       </p:ext>
     </p:extLst>
   </p:cSld>
